--- a/Presentación_Proyecto_Saulo_data_analysis_gdl_20_04.pptx
+++ b/Presentación_Proyecto_Saulo_data_analysis_gdl_20_04.pptx
@@ -109,6 +109,11 @@
       </a:defRPr>
     </a:lvl9pPr>
   </p:defaultTextStyle>
+  <p:extLst>
+    <p:ext uri="{EFAFB233-063F-42B5-8137-9DF3F51BA10A}">
+      <p15:sldGuideLst xmlns:p15="http://schemas.microsoft.com/office/powerpoint/2012/main"/>
+    </p:ext>
+  </p:extLst>
 </p:presentation>
 </file>
 
@@ -261,7 +266,7 @@
           <a:p>
             <a:fld id="{37FAFAF3-1D43-4C17-B634-E72E214EC600}" type="datetimeFigureOut">
               <a:rPr lang="es-MX" smtClean="0"/>
-              <a:t>02/08/2020</a:t>
+              <a:t>05/08/2020</a:t>
             </a:fld>
             <a:endParaRPr lang="es-MX"/>
           </a:p>
@@ -461,7 +466,7 @@
           <a:p>
             <a:fld id="{37FAFAF3-1D43-4C17-B634-E72E214EC600}" type="datetimeFigureOut">
               <a:rPr lang="es-MX" smtClean="0"/>
-              <a:t>02/08/2020</a:t>
+              <a:t>05/08/2020</a:t>
             </a:fld>
             <a:endParaRPr lang="es-MX"/>
           </a:p>
@@ -671,7 +676,7 @@
           <a:p>
             <a:fld id="{37FAFAF3-1D43-4C17-B634-E72E214EC600}" type="datetimeFigureOut">
               <a:rPr lang="es-MX" smtClean="0"/>
-              <a:t>02/08/2020</a:t>
+              <a:t>05/08/2020</a:t>
             </a:fld>
             <a:endParaRPr lang="es-MX"/>
           </a:p>
@@ -871,7 +876,7 @@
           <a:p>
             <a:fld id="{37FAFAF3-1D43-4C17-B634-E72E214EC600}" type="datetimeFigureOut">
               <a:rPr lang="es-MX" smtClean="0"/>
-              <a:t>02/08/2020</a:t>
+              <a:t>05/08/2020</a:t>
             </a:fld>
             <a:endParaRPr lang="es-MX"/>
           </a:p>
@@ -931,6 +936,43 @@
           </a:p>
         </p:txBody>
       </p:sp>
+      <p:pic>
+        <p:nvPicPr>
+          <p:cNvPr id="7" name="Imagen 6">
+            <a:extLst>
+              <a:ext uri="{FF2B5EF4-FFF2-40B4-BE49-F238E27FC236}">
+                <a16:creationId xmlns:a16="http://schemas.microsoft.com/office/drawing/2014/main" id="{43352379-1F36-0C44-B256-06A9E7C74F6C}"/>
+              </a:ext>
+            </a:extLst>
+          </p:cNvPr>
+          <p:cNvPicPr>
+            <a:picLocks noChangeAspect="1"/>
+          </p:cNvPicPr>
+          <p:nvPr userDrawn="1"/>
+        </p:nvPicPr>
+        <p:blipFill>
+          <a:blip r:embed="rId2" cstate="print">
+            <a:alphaModFix amt="70000"/>
+            <a:extLst>
+              <a:ext uri="{28A0092B-C50C-407E-A947-70E740481C1C}">
+                <a14:useLocalDpi xmlns:a14="http://schemas.microsoft.com/office/drawing/2010/main"/>
+              </a:ext>
+            </a:extLst>
+          </a:blip>
+          <a:stretch>
+            <a:fillRect/>
+          </a:stretch>
+        </p:blipFill>
+        <p:spPr>
+          <a:xfrm>
+            <a:off x="0" y="0"/>
+            <a:ext cx="12192000" cy="6858000"/>
+          </a:xfrm>
+          <a:prstGeom prst="rect">
+            <a:avLst/>
+          </a:prstGeom>
+        </p:spPr>
+      </p:pic>
     </p:spTree>
     <p:extLst>
       <p:ext uri="{BB962C8B-B14F-4D97-AF65-F5344CB8AC3E}">
@@ -1147,7 +1189,7 @@
           <a:p>
             <a:fld id="{37FAFAF3-1D43-4C17-B634-E72E214EC600}" type="datetimeFigureOut">
               <a:rPr lang="es-MX" smtClean="0"/>
-              <a:t>02/08/2020</a:t>
+              <a:t>05/08/2020</a:t>
             </a:fld>
             <a:endParaRPr lang="es-MX"/>
           </a:p>
@@ -1415,7 +1457,7 @@
           <a:p>
             <a:fld id="{37FAFAF3-1D43-4C17-B634-E72E214EC600}" type="datetimeFigureOut">
               <a:rPr lang="es-MX" smtClean="0"/>
-              <a:t>02/08/2020</a:t>
+              <a:t>05/08/2020</a:t>
             </a:fld>
             <a:endParaRPr lang="es-MX"/>
           </a:p>
@@ -1830,7 +1872,7 @@
           <a:p>
             <a:fld id="{37FAFAF3-1D43-4C17-B634-E72E214EC600}" type="datetimeFigureOut">
               <a:rPr lang="es-MX" smtClean="0"/>
-              <a:t>02/08/2020</a:t>
+              <a:t>05/08/2020</a:t>
             </a:fld>
             <a:endParaRPr lang="es-MX"/>
           </a:p>
@@ -1972,7 +2014,7 @@
           <a:p>
             <a:fld id="{37FAFAF3-1D43-4C17-B634-E72E214EC600}" type="datetimeFigureOut">
               <a:rPr lang="es-MX" smtClean="0"/>
-              <a:t>02/08/2020</a:t>
+              <a:t>05/08/2020</a:t>
             </a:fld>
             <a:endParaRPr lang="es-MX"/>
           </a:p>
@@ -2085,7 +2127,7 @@
           <a:p>
             <a:fld id="{37FAFAF3-1D43-4C17-B634-E72E214EC600}" type="datetimeFigureOut">
               <a:rPr lang="es-MX" smtClean="0"/>
-              <a:t>02/08/2020</a:t>
+              <a:t>05/08/2020</a:t>
             </a:fld>
             <a:endParaRPr lang="es-MX"/>
           </a:p>
@@ -2398,7 +2440,7 @@
           <a:p>
             <a:fld id="{37FAFAF3-1D43-4C17-B634-E72E214EC600}" type="datetimeFigureOut">
               <a:rPr lang="es-MX" smtClean="0"/>
-              <a:t>02/08/2020</a:t>
+              <a:t>05/08/2020</a:t>
             </a:fld>
             <a:endParaRPr lang="es-MX"/>
           </a:p>
@@ -2687,7 +2729,7 @@
           <a:p>
             <a:fld id="{37FAFAF3-1D43-4C17-B634-E72E214EC600}" type="datetimeFigureOut">
               <a:rPr lang="es-MX" smtClean="0"/>
-              <a:t>02/08/2020</a:t>
+              <a:t>05/08/2020</a:t>
             </a:fld>
             <a:endParaRPr lang="es-MX"/>
           </a:p>
@@ -2930,7 +2972,7 @@
           <a:p>
             <a:fld id="{37FAFAF3-1D43-4C17-B634-E72E214EC600}" type="datetimeFigureOut">
               <a:rPr lang="es-MX" smtClean="0"/>
-              <a:t>02/08/2020</a:t>
+              <a:t>05/08/2020</a:t>
             </a:fld>
             <a:endParaRPr lang="es-MX"/>
           </a:p>
@@ -3349,10 +3391,10 @@
       </p:grpSpPr>
       <p:pic>
         <p:nvPicPr>
-          <p:cNvPr id="10" name="Imagen 9">
-            <a:extLst>
-              <a:ext uri="{FF2B5EF4-FFF2-40B4-BE49-F238E27FC236}">
-                <a16:creationId xmlns:a16="http://schemas.microsoft.com/office/drawing/2014/main" id="{4D71B313-5FB5-4C64-86A3-60F18E5837B4}"/>
+          <p:cNvPr id="5" name="Imagen 4">
+            <a:extLst>
+              <a:ext uri="{FF2B5EF4-FFF2-40B4-BE49-F238E27FC236}">
+                <a16:creationId xmlns:a16="http://schemas.microsoft.com/office/drawing/2014/main" id="{9FE84F32-C8F1-C04C-9AEB-2BCC1D98C360}"/>
               </a:ext>
             </a:extLst>
           </p:cNvPr>
@@ -3365,7 +3407,7 @@
           <a:blip r:embed="rId2">
             <a:extLst>
               <a:ext uri="{28A0092B-C50C-407E-A947-70E740481C1C}">
-                <a14:useLocalDpi xmlns:a14="http://schemas.microsoft.com/office/drawing/2010/main" val="0"/>
+                <a14:useLocalDpi xmlns:a14="http://schemas.microsoft.com/office/drawing/2010/main"/>
               </a:ext>
             </a:extLst>
           </a:blip>
@@ -3375,8 +3417,8 @@
         </p:blipFill>
         <p:spPr>
           <a:xfrm>
-            <a:off x="0" y="-24561"/>
-            <a:ext cx="12192000" cy="6882561"/>
+            <a:off x="0" y="0"/>
+            <a:ext cx="12192000" cy="6692348"/>
           </a:xfrm>
           <a:prstGeom prst="rect">
             <a:avLst/>
@@ -3397,92 +3439,254 @@
         </p:nvSpPr>
         <p:spPr>
           <a:xfrm>
-            <a:off x="2032986" y="1912572"/>
-            <a:ext cx="7392139" cy="2229805"/>
+            <a:off x="5081454" y="915787"/>
+            <a:ext cx="6566704" cy="2660692"/>
+          </a:xfrm>
+          <a:prstGeom prst="rect">
+            <a:avLst/>
+          </a:prstGeom>
+          <a:noFill/>
+        </p:spPr>
+        <p:txBody>
+          <a:bodyPr wrap="square" tIns="288000" bIns="0" rtlCol="0" anchor="ctr" anchorCtr="0">
+            <a:spAutoFit/>
+          </a:bodyPr>
+          <a:lstStyle/>
+          <a:p>
+            <a:pPr algn="ctr"/>
+            <a:r>
+              <a:rPr lang="es-MX" sz="3600" b="1" i="1" dirty="0">
+                <a:solidFill>
+                  <a:schemeClr val="tx1">
+                    <a:lumMod val="65000"/>
+                    <a:lumOff val="35000"/>
+                  </a:schemeClr>
+                </a:solidFill>
+                <a:latin typeface="Times New Roman" panose="02020603050405020304" pitchFamily="18" charset="0"/>
+                <a:ea typeface="Verdana" panose="020B0604030504040204" pitchFamily="34" charset="0"/>
+                <a:cs typeface="Times New Roman" panose="02020603050405020304" pitchFamily="18" charset="0"/>
+              </a:rPr>
+              <a:t>“Captación y cuentas de ahorro </a:t>
+            </a:r>
+            <a:br>
+              <a:rPr lang="es-MX" sz="3600" b="1" i="1" dirty="0">
+                <a:solidFill>
+                  <a:schemeClr val="tx1">
+                    <a:lumMod val="65000"/>
+                    <a:lumOff val="35000"/>
+                  </a:schemeClr>
+                </a:solidFill>
+                <a:latin typeface="Times New Roman" panose="02020603050405020304" pitchFamily="18" charset="0"/>
+                <a:ea typeface="Verdana" panose="020B0604030504040204" pitchFamily="34" charset="0"/>
+                <a:cs typeface="Times New Roman" panose="02020603050405020304" pitchFamily="18" charset="0"/>
+              </a:rPr>
+            </a:br>
+            <a:r>
+              <a:rPr lang="es-MX" sz="3600" b="1" i="1" dirty="0">
+                <a:solidFill>
+                  <a:schemeClr val="tx1">
+                    <a:lumMod val="65000"/>
+                    <a:lumOff val="35000"/>
+                  </a:schemeClr>
+                </a:solidFill>
+                <a:latin typeface="Times New Roman" panose="02020603050405020304" pitchFamily="18" charset="0"/>
+                <a:ea typeface="Verdana" panose="020B0604030504040204" pitchFamily="34" charset="0"/>
+                <a:cs typeface="Times New Roman" panose="02020603050405020304" pitchFamily="18" charset="0"/>
+              </a:rPr>
+              <a:t>de la banca mexicana”</a:t>
+            </a:r>
+          </a:p>
+          <a:p>
+            <a:pPr algn="ctr"/>
+            <a:endParaRPr lang="es-MX" sz="1400" b="1" dirty="0">
+              <a:solidFill>
+                <a:schemeClr val="tx1">
+                  <a:lumMod val="65000"/>
+                  <a:lumOff val="35000"/>
+                </a:schemeClr>
+              </a:solidFill>
+              <a:latin typeface="Times New Roman" panose="02020603050405020304" pitchFamily="18" charset="0"/>
+              <a:ea typeface="Verdana" panose="020B0604030504040204" pitchFamily="34" charset="0"/>
+              <a:cs typeface="Times New Roman" panose="02020603050405020304" pitchFamily="18" charset="0"/>
+            </a:endParaRPr>
+          </a:p>
+          <a:p>
+            <a:pPr algn="ctr"/>
+            <a:r>
+              <a:rPr lang="es-MX" b="1" dirty="0">
+                <a:solidFill>
+                  <a:schemeClr val="tx1">
+                    <a:lumMod val="65000"/>
+                    <a:lumOff val="35000"/>
+                  </a:schemeClr>
+                </a:solidFill>
+                <a:latin typeface="Times New Roman" panose="02020603050405020304" pitchFamily="18" charset="0"/>
+                <a:ea typeface="Verdana" panose="020B0604030504040204" pitchFamily="34" charset="0"/>
+                <a:cs typeface="Times New Roman" panose="02020603050405020304" pitchFamily="18" charset="0"/>
+              </a:rPr>
+              <a:t>Saulo Gabriel López Antonio</a:t>
+            </a:r>
+          </a:p>
+          <a:p>
+            <a:pPr algn="ctr"/>
+            <a:r>
+              <a:rPr lang="es-MX" dirty="0">
+                <a:solidFill>
+                  <a:schemeClr val="tx1">
+                    <a:lumMod val="65000"/>
+                    <a:lumOff val="35000"/>
+                  </a:schemeClr>
+                </a:solidFill>
+                <a:latin typeface="Times New Roman" panose="02020603050405020304" pitchFamily="18" charset="0"/>
+                <a:ea typeface="Verdana" panose="020B0604030504040204" pitchFamily="34" charset="0"/>
+                <a:cs typeface="Times New Roman" panose="02020603050405020304" pitchFamily="18" charset="0"/>
+              </a:rPr>
+              <a:t>data-analysis-gdl-20-04</a:t>
+            </a:r>
+          </a:p>
+          <a:p>
+            <a:pPr algn="ctr"/>
+            <a:endParaRPr lang="es-MX" b="1" dirty="0">
+              <a:solidFill>
+                <a:schemeClr val="tx1">
+                  <a:lumMod val="65000"/>
+                  <a:lumOff val="35000"/>
+                </a:schemeClr>
+              </a:solidFill>
+              <a:latin typeface="Times New Roman" panose="02020603050405020304" pitchFamily="18" charset="0"/>
+              <a:ea typeface="Verdana" panose="020B0604030504040204" pitchFamily="34" charset="0"/>
+              <a:cs typeface="Times New Roman" panose="02020603050405020304" pitchFamily="18" charset="0"/>
+            </a:endParaRPr>
+          </a:p>
+          <a:p>
+            <a:endParaRPr lang="es-MX" sz="1400" b="1" dirty="0">
+              <a:solidFill>
+                <a:schemeClr val="tx1">
+                  <a:lumMod val="65000"/>
+                  <a:lumOff val="35000"/>
+                </a:schemeClr>
+              </a:solidFill>
+              <a:latin typeface="Calibri" panose="020F0502020204030204" pitchFamily="34" charset="0"/>
+              <a:cs typeface="Calibri" panose="020F0502020204030204" pitchFamily="34" charset="0"/>
+            </a:endParaRPr>
+          </a:p>
+        </p:txBody>
+      </p:sp>
+      <p:sp>
+        <p:nvSpPr>
+          <p:cNvPr id="12" name="Rectángulo 11">
+            <a:extLst>
+              <a:ext uri="{FF2B5EF4-FFF2-40B4-BE49-F238E27FC236}">
+                <a16:creationId xmlns:a16="http://schemas.microsoft.com/office/drawing/2014/main" id="{23E5AB1C-8147-F84E-83D8-88D6EFD3F742}"/>
+              </a:ext>
+            </a:extLst>
+          </p:cNvPr>
+          <p:cNvSpPr/>
+          <p:nvPr/>
+        </p:nvSpPr>
+        <p:spPr>
+          <a:xfrm>
+            <a:off x="0" y="-13252"/>
+            <a:ext cx="12192000" cy="384313"/>
           </a:xfrm>
           <a:prstGeom prst="rect">
             <a:avLst/>
           </a:prstGeom>
           <a:solidFill>
-            <a:srgbClr val="002060"/>
+            <a:schemeClr val="tx2">
+              <a:lumMod val="40000"/>
+              <a:lumOff val="60000"/>
+            </a:schemeClr>
           </a:solidFill>
-        </p:spPr>
-        <p:txBody>
-          <a:bodyPr wrap="square" tIns="288000" bIns="0" rtlCol="0" anchor="ctr" anchorCtr="0">
-            <a:spAutoFit/>
-          </a:bodyPr>
+          <a:ln>
+            <a:noFill/>
+          </a:ln>
+        </p:spPr>
+        <p:style>
+          <a:lnRef idx="2">
+            <a:schemeClr val="accent1">
+              <a:shade val="50000"/>
+            </a:schemeClr>
+          </a:lnRef>
+          <a:fillRef idx="1">
+            <a:schemeClr val="accent1"/>
+          </a:fillRef>
+          <a:effectRef idx="0">
+            <a:schemeClr val="accent1"/>
+          </a:effectRef>
+          <a:fontRef idx="minor">
+            <a:schemeClr val="lt1"/>
+          </a:fontRef>
+        </p:style>
+        <p:txBody>
+          <a:bodyPr rtlCol="0" anchor="ctr"/>
           <a:lstStyle/>
           <a:p>
             <a:pPr algn="ctr"/>
-            <a:r>
-              <a:rPr lang="es-MX" b="1" dirty="0">
-                <a:solidFill>
-                  <a:schemeClr val="bg1"/>
-                </a:solidFill>
-                <a:latin typeface="Verdana" panose="020B0604030504040204" pitchFamily="34" charset="0"/>
-                <a:ea typeface="Verdana" panose="020B0604030504040204" pitchFamily="34" charset="0"/>
-              </a:rPr>
-              <a:t>“Captación y cuentas de ahorro de la banca mexicana”</a:t>
-            </a:r>
-          </a:p>
+            <a:endParaRPr lang="es-MX">
+              <a:solidFill>
+                <a:srgbClr val="002060"/>
+              </a:solidFill>
+            </a:endParaRPr>
+          </a:p>
+        </p:txBody>
+      </p:sp>
+      <p:sp>
+        <p:nvSpPr>
+          <p:cNvPr id="13" name="Rectángulo 12">
+            <a:extLst>
+              <a:ext uri="{FF2B5EF4-FFF2-40B4-BE49-F238E27FC236}">
+                <a16:creationId xmlns:a16="http://schemas.microsoft.com/office/drawing/2014/main" id="{1F907501-43DA-A442-AA27-2DCB2F90EF22}"/>
+              </a:ext>
+            </a:extLst>
+          </p:cNvPr>
+          <p:cNvSpPr/>
+          <p:nvPr/>
+        </p:nvSpPr>
+        <p:spPr>
+          <a:xfrm>
+            <a:off x="0" y="6480313"/>
+            <a:ext cx="12192000" cy="384313"/>
+          </a:xfrm>
+          <a:prstGeom prst="rect">
+            <a:avLst/>
+          </a:prstGeom>
+          <a:solidFill>
+            <a:schemeClr val="tx2">
+              <a:lumMod val="40000"/>
+              <a:lumOff val="60000"/>
+            </a:schemeClr>
+          </a:solidFill>
+          <a:ln>
+            <a:noFill/>
+          </a:ln>
+        </p:spPr>
+        <p:style>
+          <a:lnRef idx="2">
+            <a:schemeClr val="accent1">
+              <a:shade val="50000"/>
+            </a:schemeClr>
+          </a:lnRef>
+          <a:fillRef idx="1">
+            <a:schemeClr val="accent1"/>
+          </a:fillRef>
+          <a:effectRef idx="0">
+            <a:schemeClr val="accent1"/>
+          </a:effectRef>
+          <a:fontRef idx="minor">
+            <a:schemeClr val="lt1"/>
+          </a:fontRef>
+        </p:style>
+        <p:txBody>
+          <a:bodyPr rtlCol="0" anchor="ctr"/>
+          <a:lstStyle/>
           <a:p>
             <a:pPr algn="ctr"/>
-            <a:endParaRPr lang="es-MX" b="1" dirty="0">
+            <a:endParaRPr lang="es-MX">
               <a:solidFill>
-                <a:schemeClr val="bg1"/>
+                <a:srgbClr val="002060"/>
               </a:solidFill>
-              <a:latin typeface="Verdana" panose="020B0604030504040204" pitchFamily="34" charset="0"/>
-              <a:ea typeface="Verdana" panose="020B0604030504040204" pitchFamily="34" charset="0"/>
             </a:endParaRPr>
-          </a:p>
-          <a:p>
-            <a:pPr algn="ctr"/>
-            <a:r>
-              <a:rPr lang="es-MX" b="1" dirty="0">
-                <a:solidFill>
-                  <a:schemeClr val="bg1"/>
-                </a:solidFill>
-                <a:latin typeface="Verdana" panose="020B0604030504040204" pitchFamily="34" charset="0"/>
-                <a:ea typeface="Verdana" panose="020B0604030504040204" pitchFamily="34" charset="0"/>
-              </a:rPr>
-              <a:t>Saulo Gabriel López Antonio</a:t>
-            </a:r>
-          </a:p>
-          <a:p>
-            <a:pPr algn="ctr"/>
-            <a:endParaRPr lang="es-MX" b="1" dirty="0">
-              <a:solidFill>
-                <a:schemeClr val="bg1"/>
-              </a:solidFill>
-              <a:latin typeface="Verdana" panose="020B0604030504040204" pitchFamily="34" charset="0"/>
-              <a:ea typeface="Verdana" panose="020B0604030504040204" pitchFamily="34" charset="0"/>
-            </a:endParaRPr>
-          </a:p>
-          <a:p>
-            <a:pPr algn="ctr"/>
-            <a:r>
-              <a:rPr lang="es-MX" b="1" dirty="0">
-                <a:solidFill>
-                  <a:schemeClr val="bg1"/>
-                </a:solidFill>
-                <a:latin typeface="Verdana" panose="020B0604030504040204" pitchFamily="34" charset="0"/>
-                <a:ea typeface="Verdana" panose="020B0604030504040204" pitchFamily="34" charset="0"/>
-              </a:rPr>
-              <a:t>data-analysis-gdl-20-04</a:t>
-            </a:r>
-          </a:p>
-          <a:p>
-            <a:pPr algn="ctr"/>
-            <a:endParaRPr lang="es-MX" dirty="0">
-              <a:solidFill>
-                <a:schemeClr val="bg1"/>
-              </a:solidFill>
-              <a:latin typeface="Verdana" panose="020B0604030504040204" pitchFamily="34" charset="0"/>
-              <a:ea typeface="Verdana" panose="020B0604030504040204" pitchFamily="34" charset="0"/>
-            </a:endParaRPr>
-          </a:p>
-          <a:p>
-            <a:endParaRPr lang="es-MX" dirty="0"/>
           </a:p>
         </p:txBody>
       </p:sp>
@@ -3516,59 +3720,6 @@
           <a:chExt cx="0" cy="0"/>
         </a:xfrm>
       </p:grpSpPr>
-      <p:sp>
-        <p:nvSpPr>
-          <p:cNvPr id="6" name="Rectángulo 5">
-            <a:extLst>
-              <a:ext uri="{FF2B5EF4-FFF2-40B4-BE49-F238E27FC236}">
-                <a16:creationId xmlns:a16="http://schemas.microsoft.com/office/drawing/2014/main" id="{4C3DDEDF-6DD2-497F-87DA-573E0AD17F5C}"/>
-              </a:ext>
-            </a:extLst>
-          </p:cNvPr>
-          <p:cNvSpPr/>
-          <p:nvPr/>
-        </p:nvSpPr>
-        <p:spPr>
-          <a:xfrm>
-            <a:off x="0" y="0"/>
-            <a:ext cx="12192000" cy="870012"/>
-          </a:xfrm>
-          <a:prstGeom prst="rect">
-            <a:avLst/>
-          </a:prstGeom>
-          <a:solidFill>
-            <a:srgbClr val="002060"/>
-          </a:solidFill>
-        </p:spPr>
-        <p:style>
-          <a:lnRef idx="2">
-            <a:schemeClr val="accent1">
-              <a:shade val="50000"/>
-            </a:schemeClr>
-          </a:lnRef>
-          <a:fillRef idx="1">
-            <a:schemeClr val="accent1"/>
-          </a:fillRef>
-          <a:effectRef idx="0">
-            <a:schemeClr val="accent1"/>
-          </a:effectRef>
-          <a:fontRef idx="minor">
-            <a:schemeClr val="lt1"/>
-          </a:fontRef>
-        </p:style>
-        <p:txBody>
-          <a:bodyPr rtlCol="0" anchor="ctr"/>
-          <a:lstStyle/>
-          <a:p>
-            <a:pPr algn="ctr"/>
-            <a:endParaRPr lang="es-MX">
-              <a:solidFill>
-                <a:srgbClr val="002060"/>
-              </a:solidFill>
-            </a:endParaRPr>
-          </a:p>
-        </p:txBody>
-      </p:sp>
       <p:pic>
         <p:nvPicPr>
           <p:cNvPr id="8" name="Imagen 7">
@@ -3584,10 +3735,10 @@
           <p:nvPr/>
         </p:nvPicPr>
         <p:blipFill>
-          <a:blip r:embed="rId2">
+          <a:blip r:embed="rId2" cstate="print">
             <a:extLst>
               <a:ext uri="{28A0092B-C50C-407E-A947-70E740481C1C}">
-                <a14:useLocalDpi xmlns:a14="http://schemas.microsoft.com/office/drawing/2010/main" val="0"/>
+                <a14:useLocalDpi xmlns:a14="http://schemas.microsoft.com/office/drawing/2010/main"/>
               </a:ext>
             </a:extLst>
           </a:blip>
@@ -3597,7 +3748,7 @@
         </p:blipFill>
         <p:spPr>
           <a:xfrm>
-            <a:off x="-159799" y="2979275"/>
+            <a:off x="276043" y="1674674"/>
             <a:ext cx="4412202" cy="3708842"/>
           </a:xfrm>
           <a:prstGeom prst="ellipse">
@@ -3643,8 +3794,8 @@
         </p:nvSpPr>
         <p:spPr>
           <a:xfrm>
-            <a:off x="133165" y="169883"/>
-            <a:ext cx="5619565" cy="369332"/>
+            <a:off x="276043" y="500680"/>
+            <a:ext cx="5619565" cy="584775"/>
           </a:xfrm>
           <a:prstGeom prst="rect">
             <a:avLst/>
@@ -3658,12 +3809,21 @@
           <a:lstStyle/>
           <a:p>
             <a:r>
-              <a:rPr lang="es-MX" b="1" dirty="0">
-                <a:solidFill>
-                  <a:schemeClr val="bg1"/>
-                </a:solidFill>
-                <a:latin typeface="Verdana" panose="020B0604030504040204" pitchFamily="34" charset="0"/>
-                <a:ea typeface="Verdana" panose="020B0604030504040204" pitchFamily="34" charset="0"/>
+              <a:rPr lang="es-MX" sz="3200" b="1" i="1" dirty="0">
+                <a:solidFill>
+                  <a:schemeClr val="tx1">
+                    <a:lumMod val="65000"/>
+                    <a:lumOff val="35000"/>
+                  </a:schemeClr>
+                </a:solidFill>
+                <a:effectLst>
+                  <a:outerShdw blurRad="50800" dist="38100" dir="8100000" algn="tr" rotWithShape="0">
+                    <a:srgbClr val="ADB9CA"/>
+                  </a:outerShdw>
+                </a:effectLst>
+                <a:latin typeface="Times New Roman" panose="02020603050405020304" pitchFamily="18" charset="0"/>
+                <a:ea typeface="Verdana" panose="020B0604030504040204" pitchFamily="34" charset="0"/>
+                <a:cs typeface="Times New Roman" panose="02020603050405020304" pitchFamily="18" charset="0"/>
               </a:rPr>
               <a:t>Definición del proyecto</a:t>
             </a:r>
@@ -3684,8 +3844,8 @@
         </p:nvSpPr>
         <p:spPr>
           <a:xfrm>
-            <a:off x="4518734" y="1674674"/>
-            <a:ext cx="6205491" cy="1754326"/>
+            <a:off x="4518734" y="1579176"/>
+            <a:ext cx="6205491" cy="461665"/>
           </a:xfrm>
           <a:prstGeom prst="rect">
             <a:avLst/>
@@ -3700,99 +3860,517 @@
           <a:p>
             <a:pPr algn="just"/>
             <a:r>
-              <a:rPr lang="es-MX" b="1" dirty="0"/>
+              <a:rPr lang="es-MX" sz="2400" b="1" i="1" dirty="0">
+                <a:solidFill>
+                  <a:schemeClr val="tx1">
+                    <a:lumMod val="65000"/>
+                    <a:lumOff val="35000"/>
+                  </a:schemeClr>
+                </a:solidFill>
+                <a:latin typeface="Times New Roman" panose="02020603050405020304" pitchFamily="18" charset="0"/>
+                <a:ea typeface="Verdana" panose="020B0604030504040204" pitchFamily="34" charset="0"/>
+                <a:cs typeface="Times New Roman" panose="02020603050405020304" pitchFamily="18" charset="0"/>
+              </a:rPr>
               <a:t>Problemática</a:t>
             </a:r>
           </a:p>
+        </p:txBody>
+      </p:sp>
+      <p:sp>
+        <p:nvSpPr>
+          <p:cNvPr id="12" name="CuadroTexto 11">
+            <a:extLst>
+              <a:ext uri="{FF2B5EF4-FFF2-40B4-BE49-F238E27FC236}">
+                <a16:creationId xmlns:a16="http://schemas.microsoft.com/office/drawing/2014/main" id="{AF86591F-3ACB-4BBB-8709-9133310A37F2}"/>
+              </a:ext>
+            </a:extLst>
+          </p:cNvPr>
+          <p:cNvSpPr txBox="1"/>
+          <p:nvPr/>
+        </p:nvSpPr>
+        <p:spPr>
+          <a:xfrm>
+            <a:off x="4518734" y="4602875"/>
+            <a:ext cx="7372198" cy="1692771"/>
+          </a:xfrm>
+          <a:prstGeom prst="rect">
+            <a:avLst/>
+          </a:prstGeom>
+          <a:noFill/>
+        </p:spPr>
+        <p:txBody>
+          <a:bodyPr wrap="square" rtlCol="0">
+            <a:spAutoFit/>
+          </a:bodyPr>
+          <a:lstStyle/>
+          <a:p>
+            <a:r>
+              <a:rPr lang="es-MX" sz="2400" b="1" i="1" dirty="0">
+                <a:solidFill>
+                  <a:schemeClr val="tx1">
+                    <a:lumMod val="65000"/>
+                    <a:lumOff val="35000"/>
+                  </a:schemeClr>
+                </a:solidFill>
+                <a:latin typeface="Times New Roman" panose="02020603050405020304" pitchFamily="18" charset="0"/>
+                <a:ea typeface="Verdana" panose="020B0604030504040204" pitchFamily="34" charset="0"/>
+                <a:cs typeface="Times New Roman" panose="02020603050405020304" pitchFamily="18" charset="0"/>
+              </a:rPr>
+              <a:t>Fuentes de datos</a:t>
+            </a:r>
+          </a:p>
+          <a:p>
+            <a:endParaRPr lang="es-MX" sz="1000" b="1" i="1" dirty="0">
+              <a:solidFill>
+                <a:schemeClr val="tx1">
+                  <a:lumMod val="65000"/>
+                  <a:lumOff val="35000"/>
+                </a:schemeClr>
+              </a:solidFill>
+              <a:latin typeface="Times New Roman" panose="02020603050405020304" pitchFamily="18" charset="0"/>
+              <a:ea typeface="Verdana" panose="020B0604030504040204" pitchFamily="34" charset="0"/>
+              <a:cs typeface="Times New Roman" panose="02020603050405020304" pitchFamily="18" charset="0"/>
+            </a:endParaRPr>
+          </a:p>
+          <a:p>
+            <a:r>
+              <a:rPr lang="es-MX" dirty="0">
+                <a:solidFill>
+                  <a:schemeClr val="tx1">
+                    <a:lumMod val="65000"/>
+                    <a:lumOff val="35000"/>
+                  </a:schemeClr>
+                </a:solidFill>
+                <a:latin typeface="Times New Roman" panose="02020603050405020304" pitchFamily="18" charset="0"/>
+                <a:ea typeface="Verdana" panose="020B0604030504040204" pitchFamily="34" charset="0"/>
+                <a:cs typeface="Times New Roman" panose="02020603050405020304" pitchFamily="18" charset="0"/>
+              </a:rPr>
+              <a:t>Reporte 040-4A-R10 y 040-4A-R11 del 2020 que emite la CNBV</a:t>
+            </a:r>
+          </a:p>
+          <a:p>
+            <a:r>
+              <a:rPr lang="es-MX" sz="1400" dirty="0">
+                <a:solidFill>
+                  <a:schemeClr val="tx1">
+                    <a:lumMod val="65000"/>
+                    <a:lumOff val="35000"/>
+                  </a:schemeClr>
+                </a:solidFill>
+                <a:latin typeface="Times New Roman" panose="02020603050405020304" pitchFamily="18" charset="0"/>
+                <a:ea typeface="Verdana" panose="020B0604030504040204" pitchFamily="34" charset="0"/>
+                <a:cs typeface="Times New Roman" panose="02020603050405020304" pitchFamily="18" charset="0"/>
+                <a:hlinkClick r:id="rId3">
+                  <a:extLst>
+                    <a:ext uri="{A12FA001-AC4F-418D-AE19-62706E023703}">
+                      <ahyp:hlinkClr xmlns:ahyp="http://schemas.microsoft.com/office/drawing/2018/hyperlinkcolor" val="tx"/>
+                    </a:ext>
+                  </a:extLst>
+                </a:hlinkClick>
+              </a:rPr>
+              <a:t>https://portafoliodeinformacion.cnbv.gob.mx/bm1/Paginas/infoper.aspx</a:t>
+            </a:r>
+            <a:endParaRPr lang="es-MX" sz="1400" dirty="0">
+              <a:solidFill>
+                <a:schemeClr val="tx1">
+                  <a:lumMod val="65000"/>
+                  <a:lumOff val="35000"/>
+                </a:schemeClr>
+              </a:solidFill>
+              <a:latin typeface="Times New Roman" panose="02020603050405020304" pitchFamily="18" charset="0"/>
+              <a:ea typeface="Verdana" panose="020B0604030504040204" pitchFamily="34" charset="0"/>
+              <a:cs typeface="Times New Roman" panose="02020603050405020304" pitchFamily="18" charset="0"/>
+            </a:endParaRPr>
+          </a:p>
+          <a:p>
+            <a:pPr marL="285750" indent="-285750">
+              <a:buFont typeface="Arial" panose="020B0604020202020204" pitchFamily="34" charset="0"/>
+              <a:buChar char="•"/>
+            </a:pPr>
+            <a:endParaRPr lang="es-MX" dirty="0">
+              <a:solidFill>
+                <a:schemeClr val="tx1">
+                  <a:lumMod val="65000"/>
+                  <a:lumOff val="35000"/>
+                </a:schemeClr>
+              </a:solidFill>
+              <a:latin typeface="Times New Roman" panose="02020603050405020304" pitchFamily="18" charset="0"/>
+              <a:ea typeface="Verdana" panose="020B0604030504040204" pitchFamily="34" charset="0"/>
+              <a:cs typeface="Times New Roman" panose="02020603050405020304" pitchFamily="18" charset="0"/>
+            </a:endParaRPr>
+          </a:p>
+          <a:p>
+            <a:pPr marL="285750" indent="-285750">
+              <a:buFont typeface="Arial" panose="020B0604020202020204" pitchFamily="34" charset="0"/>
+              <a:buChar char="•"/>
+            </a:pPr>
+            <a:endParaRPr lang="es-MX" dirty="0"/>
+          </a:p>
+        </p:txBody>
+      </p:sp>
+      <p:sp>
+        <p:nvSpPr>
+          <p:cNvPr id="11" name="Rectángulo 10">
+            <a:extLst>
+              <a:ext uri="{FF2B5EF4-FFF2-40B4-BE49-F238E27FC236}">
+                <a16:creationId xmlns:a16="http://schemas.microsoft.com/office/drawing/2014/main" id="{7E2F069D-CF12-BF4B-96B8-338253D29CD1}"/>
+              </a:ext>
+            </a:extLst>
+          </p:cNvPr>
+          <p:cNvSpPr/>
+          <p:nvPr/>
+        </p:nvSpPr>
+        <p:spPr>
+          <a:xfrm>
+            <a:off x="0" y="-13252"/>
+            <a:ext cx="12192000" cy="384313"/>
+          </a:xfrm>
+          <a:prstGeom prst="rect">
+            <a:avLst/>
+          </a:prstGeom>
+          <a:solidFill>
+            <a:schemeClr val="tx2">
+              <a:lumMod val="40000"/>
+              <a:lumOff val="60000"/>
+            </a:schemeClr>
+          </a:solidFill>
+          <a:ln>
+            <a:noFill/>
+          </a:ln>
+        </p:spPr>
+        <p:style>
+          <a:lnRef idx="2">
+            <a:schemeClr val="accent1">
+              <a:shade val="50000"/>
+            </a:schemeClr>
+          </a:lnRef>
+          <a:fillRef idx="1">
+            <a:schemeClr val="accent1"/>
+          </a:fillRef>
+          <a:effectRef idx="0">
+            <a:schemeClr val="accent1"/>
+          </a:effectRef>
+          <a:fontRef idx="minor">
+            <a:schemeClr val="lt1"/>
+          </a:fontRef>
+        </p:style>
+        <p:txBody>
+          <a:bodyPr rtlCol="0" anchor="ctr"/>
+          <a:lstStyle/>
+          <a:p>
+            <a:pPr algn="ctr"/>
+            <a:endParaRPr lang="es-MX">
+              <a:solidFill>
+                <a:srgbClr val="002060"/>
+              </a:solidFill>
+            </a:endParaRPr>
+          </a:p>
+        </p:txBody>
+      </p:sp>
+      <p:sp>
+        <p:nvSpPr>
+          <p:cNvPr id="13" name="Rectángulo 12">
+            <a:extLst>
+              <a:ext uri="{FF2B5EF4-FFF2-40B4-BE49-F238E27FC236}">
+                <a16:creationId xmlns:a16="http://schemas.microsoft.com/office/drawing/2014/main" id="{3A5E180E-43AB-2A47-B5CE-E7B496F037AC}"/>
+              </a:ext>
+            </a:extLst>
+          </p:cNvPr>
+          <p:cNvSpPr/>
+          <p:nvPr/>
+        </p:nvSpPr>
+        <p:spPr>
+          <a:xfrm>
+            <a:off x="0" y="6480313"/>
+            <a:ext cx="12192000" cy="384313"/>
+          </a:xfrm>
+          <a:prstGeom prst="rect">
+            <a:avLst/>
+          </a:prstGeom>
+          <a:solidFill>
+            <a:schemeClr val="tx2">
+              <a:lumMod val="40000"/>
+              <a:lumOff val="60000"/>
+            </a:schemeClr>
+          </a:solidFill>
+          <a:ln>
+            <a:noFill/>
+          </a:ln>
+        </p:spPr>
+        <p:style>
+          <a:lnRef idx="2">
+            <a:schemeClr val="accent1">
+              <a:shade val="50000"/>
+            </a:schemeClr>
+          </a:lnRef>
+          <a:fillRef idx="1">
+            <a:schemeClr val="accent1"/>
+          </a:fillRef>
+          <a:effectRef idx="0">
+            <a:schemeClr val="accent1"/>
+          </a:effectRef>
+          <a:fontRef idx="minor">
+            <a:schemeClr val="lt1"/>
+          </a:fontRef>
+        </p:style>
+        <p:txBody>
+          <a:bodyPr rtlCol="0" anchor="ctr"/>
+          <a:lstStyle/>
+          <a:p>
+            <a:pPr algn="ctr"/>
+            <a:endParaRPr lang="es-MX">
+              <a:solidFill>
+                <a:srgbClr val="002060"/>
+              </a:solidFill>
+            </a:endParaRPr>
+          </a:p>
+        </p:txBody>
+      </p:sp>
+      <p:sp>
+        <p:nvSpPr>
+          <p:cNvPr id="4" name="Rectángulo 3">
+            <a:extLst>
+              <a:ext uri="{FF2B5EF4-FFF2-40B4-BE49-F238E27FC236}">
+                <a16:creationId xmlns:a16="http://schemas.microsoft.com/office/drawing/2014/main" id="{BF059370-4D8D-1044-AC53-FD584D0D0BAA}"/>
+              </a:ext>
+            </a:extLst>
+          </p:cNvPr>
+          <p:cNvSpPr/>
+          <p:nvPr/>
+        </p:nvSpPr>
+        <p:spPr>
+          <a:xfrm>
+            <a:off x="4518734" y="1945342"/>
+            <a:ext cx="6205491" cy="1200329"/>
+          </a:xfrm>
+          <a:prstGeom prst="rect">
+            <a:avLst/>
+          </a:prstGeom>
+        </p:spPr>
+        <p:txBody>
+          <a:bodyPr wrap="square">
+            <a:spAutoFit/>
+          </a:bodyPr>
+          <a:lstStyle/>
           <a:p>
             <a:pPr marL="285750" indent="-285750" algn="just">
               <a:buFont typeface="Arial" panose="020B0604020202020204" pitchFamily="34" charset="0"/>
               <a:buChar char="•"/>
             </a:pPr>
-            <a:r>
-              <a:rPr lang="es-MX" dirty="0"/>
-              <a:t>Cierta institución bancaria requiere conocer el mercado de las cuentas de captación y el saldo que hay por estado y/o municipio en México</a:t>
-            </a:r>
-          </a:p>
-          <a:p>
-            <a:pPr marL="285750" indent="-285750" algn="just">
+            <a:endParaRPr lang="es-MX" b="1" dirty="0"/>
+          </a:p>
+          <a:p>
+            <a:pPr marL="298450" indent="-285750" algn="just">
               <a:buFont typeface="Arial" panose="020B0604020202020204" pitchFamily="34" charset="0"/>
               <a:buChar char="•"/>
             </a:pPr>
             <a:r>
-              <a:rPr lang="es-MX" dirty="0"/>
-              <a:t>Además de saber cómo es la situación del resto de las instituciones bancarias</a:t>
-            </a:r>
-          </a:p>
-        </p:txBody>
-      </p:sp>
-      <p:sp>
-        <p:nvSpPr>
-          <p:cNvPr id="12" name="CuadroTexto 11">
-            <a:extLst>
-              <a:ext uri="{FF2B5EF4-FFF2-40B4-BE49-F238E27FC236}">
-                <a16:creationId xmlns:a16="http://schemas.microsoft.com/office/drawing/2014/main" id="{AF86591F-3ACB-4BBB-8709-9133310A37F2}"/>
-              </a:ext>
-            </a:extLst>
-          </p:cNvPr>
-          <p:cNvSpPr txBox="1"/>
+              <a:rPr lang="es-MX" dirty="0">
+                <a:solidFill>
+                  <a:schemeClr val="tx1">
+                    <a:lumMod val="65000"/>
+                    <a:lumOff val="35000"/>
+                  </a:schemeClr>
+                </a:solidFill>
+                <a:latin typeface="Times New Roman" panose="02020603050405020304" pitchFamily="18" charset="0"/>
+                <a:ea typeface="Verdana" panose="020B0604030504040204" pitchFamily="34" charset="0"/>
+                <a:cs typeface="Times New Roman" panose="02020603050405020304" pitchFamily="18" charset="0"/>
+              </a:rPr>
+              <a:t>Cierta institución bancaria requiere </a:t>
+            </a:r>
+            <a:r>
+              <a:rPr lang="es-MX" b="1" dirty="0">
+                <a:solidFill>
+                  <a:schemeClr val="tx1">
+                    <a:lumMod val="65000"/>
+                    <a:lumOff val="35000"/>
+                  </a:schemeClr>
+                </a:solidFill>
+                <a:latin typeface="Times New Roman" panose="02020603050405020304" pitchFamily="18" charset="0"/>
+                <a:ea typeface="Verdana" panose="020B0604030504040204" pitchFamily="34" charset="0"/>
+                <a:cs typeface="Times New Roman" panose="02020603050405020304" pitchFamily="18" charset="0"/>
+              </a:rPr>
+              <a:t>conocer el mercado de las cuentas de captación y el saldo </a:t>
+            </a:r>
+            <a:r>
+              <a:rPr lang="es-MX" dirty="0">
+                <a:solidFill>
+                  <a:schemeClr val="tx1">
+                    <a:lumMod val="65000"/>
+                    <a:lumOff val="35000"/>
+                  </a:schemeClr>
+                </a:solidFill>
+                <a:latin typeface="Times New Roman" panose="02020603050405020304" pitchFamily="18" charset="0"/>
+                <a:ea typeface="Verdana" panose="020B0604030504040204" pitchFamily="34" charset="0"/>
+                <a:cs typeface="Times New Roman" panose="02020603050405020304" pitchFamily="18" charset="0"/>
+              </a:rPr>
+              <a:t>que hay por estado y/o municipio en México</a:t>
+            </a:r>
+          </a:p>
+        </p:txBody>
+      </p:sp>
+      <p:sp>
+        <p:nvSpPr>
+          <p:cNvPr id="5" name="Rectángulo 4">
+            <a:extLst>
+              <a:ext uri="{FF2B5EF4-FFF2-40B4-BE49-F238E27FC236}">
+                <a16:creationId xmlns:a16="http://schemas.microsoft.com/office/drawing/2014/main" id="{95D0634B-9FD7-DA41-BB16-5A81891D2C92}"/>
+              </a:ext>
+            </a:extLst>
+          </p:cNvPr>
+          <p:cNvSpPr/>
           <p:nvPr/>
         </p:nvSpPr>
         <p:spPr>
           <a:xfrm>
-            <a:off x="4660776" y="4233662"/>
-            <a:ext cx="6533966" cy="1754326"/>
+            <a:off x="4518734" y="3370904"/>
+            <a:ext cx="6205491" cy="646331"/>
           </a:xfrm>
           <a:prstGeom prst="rect">
             <a:avLst/>
           </a:prstGeom>
-          <a:noFill/>
-        </p:spPr>
-        <p:txBody>
-          <a:bodyPr wrap="square" rtlCol="0">
+        </p:spPr>
+        <p:txBody>
+          <a:bodyPr wrap="square">
             <a:spAutoFit/>
           </a:bodyPr>
           <a:lstStyle/>
           <a:p>
-            <a:pPr algn="just"/>
-            <a:r>
-              <a:rPr lang="es-MX" b="1" dirty="0"/>
-              <a:t>Fuentes de datos</a:t>
-            </a:r>
-          </a:p>
-          <a:p>
-            <a:pPr algn="just"/>
-            <a:r>
-              <a:rPr lang="es-MX" dirty="0"/>
-              <a:t>Reporte 040-4A-R10 y 040-4A-R11 del 2020 que emite la CNBV</a:t>
-            </a:r>
-          </a:p>
-          <a:p>
-            <a:pPr algn="just"/>
-            <a:r>
-              <a:rPr lang="es-MX" u="sng" dirty="0">
-                <a:hlinkClick r:id="rId3"/>
-              </a:rPr>
-              <a:t>https://portafoliodeinformacion.cnbv.gob.mx/bm1/Paginas/infoper.aspx</a:t>
-            </a:r>
-            <a:endParaRPr lang="es-MX" dirty="0"/>
-          </a:p>
-          <a:p>
-            <a:pPr marL="285750" indent="-285750" algn="just">
+            <a:pPr marL="298450" indent="-285750" algn="just">
               <a:buFont typeface="Arial" panose="020B0604020202020204" pitchFamily="34" charset="0"/>
               <a:buChar char="•"/>
             </a:pPr>
-            <a:endParaRPr lang="es-MX" dirty="0"/>
-          </a:p>
-          <a:p>
-            <a:pPr marL="285750" indent="-285750" algn="just">
-              <a:buFont typeface="Arial" panose="020B0604020202020204" pitchFamily="34" charset="0"/>
-              <a:buChar char="•"/>
-            </a:pPr>
-            <a:endParaRPr lang="es-MX" dirty="0"/>
-          </a:p>
-        </p:txBody>
-      </p:sp>
+            <a:r>
+              <a:rPr lang="es-MX" dirty="0">
+                <a:solidFill>
+                  <a:schemeClr val="tx1">
+                    <a:lumMod val="65000"/>
+                    <a:lumOff val="35000"/>
+                  </a:schemeClr>
+                </a:solidFill>
+                <a:latin typeface="Times New Roman" panose="02020603050405020304" pitchFamily="18" charset="0"/>
+                <a:ea typeface="Verdana" panose="020B0604030504040204" pitchFamily="34" charset="0"/>
+                <a:cs typeface="Times New Roman" panose="02020603050405020304" pitchFamily="18" charset="0"/>
+              </a:rPr>
+              <a:t>Además de saber cómo es la </a:t>
+            </a:r>
+            <a:r>
+              <a:rPr lang="es-MX" b="1" dirty="0">
+                <a:solidFill>
+                  <a:schemeClr val="tx1">
+                    <a:lumMod val="65000"/>
+                    <a:lumOff val="35000"/>
+                  </a:schemeClr>
+                </a:solidFill>
+                <a:latin typeface="Times New Roman" panose="02020603050405020304" pitchFamily="18" charset="0"/>
+                <a:ea typeface="Verdana" panose="020B0604030504040204" pitchFamily="34" charset="0"/>
+                <a:cs typeface="Times New Roman" panose="02020603050405020304" pitchFamily="18" charset="0"/>
+              </a:rPr>
+              <a:t>situación</a:t>
+            </a:r>
+            <a:r>
+              <a:rPr lang="es-MX" dirty="0">
+                <a:solidFill>
+                  <a:schemeClr val="tx1">
+                    <a:lumMod val="65000"/>
+                    <a:lumOff val="35000"/>
+                  </a:schemeClr>
+                </a:solidFill>
+                <a:latin typeface="Times New Roman" panose="02020603050405020304" pitchFamily="18" charset="0"/>
+                <a:ea typeface="Verdana" panose="020B0604030504040204" pitchFamily="34" charset="0"/>
+                <a:cs typeface="Times New Roman" panose="02020603050405020304" pitchFamily="18" charset="0"/>
+              </a:rPr>
+              <a:t> del resto de las </a:t>
+            </a:r>
+            <a:r>
+              <a:rPr lang="es-MX" b="1" dirty="0">
+                <a:solidFill>
+                  <a:schemeClr val="tx1">
+                    <a:lumMod val="65000"/>
+                    <a:lumOff val="35000"/>
+                  </a:schemeClr>
+                </a:solidFill>
+                <a:latin typeface="Times New Roman" panose="02020603050405020304" pitchFamily="18" charset="0"/>
+                <a:ea typeface="Verdana" panose="020B0604030504040204" pitchFamily="34" charset="0"/>
+                <a:cs typeface="Times New Roman" panose="02020603050405020304" pitchFamily="18" charset="0"/>
+              </a:rPr>
+              <a:t>instituciones bancarias</a:t>
+            </a:r>
+          </a:p>
+        </p:txBody>
+      </p:sp>
+      <p:cxnSp>
+        <p:nvCxnSpPr>
+          <p:cNvPr id="16" name="Conector recto 15">
+            <a:extLst>
+              <a:ext uri="{FF2B5EF4-FFF2-40B4-BE49-F238E27FC236}">
+                <a16:creationId xmlns:a16="http://schemas.microsoft.com/office/drawing/2014/main" id="{8D7EE39A-8612-2A46-B17F-F3C2FE0C1723}"/>
+              </a:ext>
+            </a:extLst>
+          </p:cNvPr>
+          <p:cNvCxnSpPr/>
+          <p:nvPr/>
+        </p:nvCxnSpPr>
+        <p:spPr>
+          <a:xfrm>
+            <a:off x="4545238" y="2040841"/>
+            <a:ext cx="6205491" cy="0"/>
+          </a:xfrm>
+          <a:prstGeom prst="line">
+            <a:avLst/>
+          </a:prstGeom>
+        </p:spPr>
+        <p:style>
+          <a:lnRef idx="1">
+            <a:schemeClr val="accent1"/>
+          </a:lnRef>
+          <a:fillRef idx="0">
+            <a:schemeClr val="accent1"/>
+          </a:fillRef>
+          <a:effectRef idx="0">
+            <a:schemeClr val="accent1"/>
+          </a:effectRef>
+          <a:fontRef idx="minor">
+            <a:schemeClr val="tx1"/>
+          </a:fontRef>
+        </p:style>
+      </p:cxnSp>
+      <p:cxnSp>
+        <p:nvCxnSpPr>
+          <p:cNvPr id="17" name="Conector recto 16">
+            <a:extLst>
+              <a:ext uri="{FF2B5EF4-FFF2-40B4-BE49-F238E27FC236}">
+                <a16:creationId xmlns:a16="http://schemas.microsoft.com/office/drawing/2014/main" id="{F6FAB90D-2015-CF4A-912D-5684CFFEB902}"/>
+              </a:ext>
+            </a:extLst>
+          </p:cNvPr>
+          <p:cNvCxnSpPr/>
+          <p:nvPr/>
+        </p:nvCxnSpPr>
+        <p:spPr>
+          <a:xfrm>
+            <a:off x="4545238" y="5035833"/>
+            <a:ext cx="6205491" cy="0"/>
+          </a:xfrm>
+          <a:prstGeom prst="line">
+            <a:avLst/>
+          </a:prstGeom>
+        </p:spPr>
+        <p:style>
+          <a:lnRef idx="1">
+            <a:schemeClr val="accent1"/>
+          </a:lnRef>
+          <a:fillRef idx="0">
+            <a:schemeClr val="accent1"/>
+          </a:fillRef>
+          <a:effectRef idx="0">
+            <a:schemeClr val="accent1"/>
+          </a:effectRef>
+          <a:fontRef idx="minor">
+            <a:schemeClr val="tx1"/>
+          </a:fontRef>
+        </p:style>
+      </p:cxnSp>
     </p:spTree>
     <p:extLst>
       <p:ext uri="{BB962C8B-B14F-4D97-AF65-F5344CB8AC3E}">
@@ -3825,10 +4403,10 @@
       </p:grpSpPr>
       <p:sp>
         <p:nvSpPr>
-          <p:cNvPr id="6" name="Rectángulo 5">
-            <a:extLst>
-              <a:ext uri="{FF2B5EF4-FFF2-40B4-BE49-F238E27FC236}">
-                <a16:creationId xmlns:a16="http://schemas.microsoft.com/office/drawing/2014/main" id="{4C3DDEDF-6DD2-497F-87DA-573E0AD17F5C}"/>
+          <p:cNvPr id="18" name="Rectángulo redondeado 17">
+            <a:extLst>
+              <a:ext uri="{FF2B5EF4-FFF2-40B4-BE49-F238E27FC236}">
+                <a16:creationId xmlns:a16="http://schemas.microsoft.com/office/drawing/2014/main" id="{0D72D3D0-A11E-E742-9947-8867359016E2}"/>
               </a:ext>
             </a:extLst>
           </p:cNvPr>
@@ -3837,15 +4415,31 @@
         </p:nvSpPr>
         <p:spPr>
           <a:xfrm>
-            <a:off x="0" y="0"/>
-            <a:ext cx="12192000" cy="870012"/>
-          </a:xfrm>
-          <a:prstGeom prst="rect">
-            <a:avLst/>
+            <a:off x="6281532" y="2465672"/>
+            <a:ext cx="5327374" cy="3110230"/>
+          </a:xfrm>
+          <a:prstGeom prst="roundRect">
+            <a:avLst>
+              <a:gd name="adj" fmla="val 4715"/>
+            </a:avLst>
           </a:prstGeom>
           <a:solidFill>
-            <a:srgbClr val="002060"/>
+            <a:schemeClr val="bg1"/>
           </a:solidFill>
+          <a:ln>
+            <a:solidFill>
+              <a:schemeClr val="bg1">
+                <a:lumMod val="65000"/>
+              </a:schemeClr>
+            </a:solidFill>
+          </a:ln>
+          <a:effectLst>
+            <a:outerShdw blurRad="165100" dist="127000" dir="5520000" sx="103000" sy="103000" algn="tl" rotWithShape="0">
+              <a:prstClr val="black">
+                <a:alpha val="19000"/>
+              </a:prstClr>
+            </a:outerShdw>
+          </a:effectLst>
         </p:spPr>
         <p:style>
           <a:lnRef idx="2">
@@ -3868,11 +4462,7 @@
           <a:lstStyle/>
           <a:p>
             <a:pPr algn="ctr"/>
-            <a:endParaRPr lang="es-MX">
-              <a:solidFill>
-                <a:srgbClr val="002060"/>
-              </a:solidFill>
-            </a:endParaRPr>
+            <a:endParaRPr lang="es-MX" dirty="0"/>
           </a:p>
         </p:txBody>
       </p:sp>
@@ -3890,8 +4480,8 @@
         </p:nvSpPr>
         <p:spPr>
           <a:xfrm>
-            <a:off x="133165" y="169883"/>
-            <a:ext cx="5619565" cy="369332"/>
+            <a:off x="410175" y="384076"/>
+            <a:ext cx="5619565" cy="584775"/>
           </a:xfrm>
           <a:prstGeom prst="rect">
             <a:avLst/>
@@ -3905,80 +4495,25 @@
           <a:lstStyle/>
           <a:p>
             <a:r>
-              <a:rPr lang="es-MX" b="1" dirty="0">
-                <a:solidFill>
-                  <a:schemeClr val="bg1"/>
-                </a:solidFill>
-                <a:latin typeface="Verdana" panose="020B0604030504040204" pitchFamily="34" charset="0"/>
-                <a:ea typeface="Verdana" panose="020B0604030504040204" pitchFamily="34" charset="0"/>
+              <a:rPr lang="es-MX" sz="3200" b="1" i="1" dirty="0">
+                <a:solidFill>
+                  <a:schemeClr val="tx1">
+                    <a:lumMod val="65000"/>
+                    <a:lumOff val="35000"/>
+                  </a:schemeClr>
+                </a:solidFill>
+                <a:effectLst>
+                  <a:outerShdw blurRad="50800" dist="38100" dir="2700000" algn="tl" rotWithShape="0">
+                    <a:srgbClr val="ADB9CA">
+                      <a:alpha val="40000"/>
+                    </a:srgbClr>
+                  </a:outerShdw>
+                </a:effectLst>
+                <a:latin typeface="Times New Roman" panose="02020603050405020304" pitchFamily="18" charset="0"/>
+                <a:ea typeface="Verdana" panose="020B0604030504040204" pitchFamily="34" charset="0"/>
+                <a:cs typeface="Times New Roman" panose="02020603050405020304" pitchFamily="18" charset="0"/>
               </a:rPr>
               <a:t>Construcción de Base de datos</a:t>
-            </a:r>
-          </a:p>
-        </p:txBody>
-      </p:sp>
-      <p:pic>
-        <p:nvPicPr>
-          <p:cNvPr id="7" name="image51.png">
-            <a:extLst>
-              <a:ext uri="{FF2B5EF4-FFF2-40B4-BE49-F238E27FC236}">
-                <a16:creationId xmlns:a16="http://schemas.microsoft.com/office/drawing/2014/main" id="{23D92B80-854B-4B3E-AB84-B087C0A0712B}"/>
-              </a:ext>
-            </a:extLst>
-          </p:cNvPr>
-          <p:cNvPicPr/>
-          <p:nvPr/>
-        </p:nvPicPr>
-        <p:blipFill>
-          <a:blip r:embed="rId2"/>
-          <a:srcRect/>
-          <a:stretch>
-            <a:fillRect/>
-          </a:stretch>
-        </p:blipFill>
-        <p:spPr>
-          <a:xfrm>
-            <a:off x="267471" y="1608117"/>
-            <a:ext cx="5730875" cy="5080000"/>
-          </a:xfrm>
-          <a:prstGeom prst="rect">
-            <a:avLst/>
-          </a:prstGeom>
-          <a:ln/>
-        </p:spPr>
-      </p:pic>
-      <p:sp>
-        <p:nvSpPr>
-          <p:cNvPr id="2" name="CuadroTexto 1">
-            <a:extLst>
-              <a:ext uri="{FF2B5EF4-FFF2-40B4-BE49-F238E27FC236}">
-                <a16:creationId xmlns:a16="http://schemas.microsoft.com/office/drawing/2014/main" id="{943314D1-C6B0-4325-96B3-AE3753B0F2CB}"/>
-              </a:ext>
-            </a:extLst>
-          </p:cNvPr>
-          <p:cNvSpPr txBox="1"/>
-          <p:nvPr/>
-        </p:nvSpPr>
-        <p:spPr>
-          <a:xfrm>
-            <a:off x="1802167" y="1238785"/>
-            <a:ext cx="6205491" cy="369332"/>
-          </a:xfrm>
-          <a:prstGeom prst="rect">
-            <a:avLst/>
-          </a:prstGeom>
-          <a:noFill/>
-        </p:spPr>
-        <p:txBody>
-          <a:bodyPr wrap="square" rtlCol="0">
-            <a:spAutoFit/>
-          </a:bodyPr>
-          <a:lstStyle/>
-          <a:p>
-            <a:pPr algn="just"/>
-            <a:r>
-              <a:rPr lang="es-MX" b="1" dirty="0"/>
-              <a:t>Diagrama Entidad Relación</a:t>
             </a:r>
           </a:p>
         </p:txBody>
@@ -3998,19 +4533,23 @@
           <p:nvPr/>
         </p:nvPicPr>
         <p:blipFill>
-          <a:blip r:embed="rId3"/>
+          <a:blip r:embed="rId2"/>
           <a:stretch>
             <a:fillRect/>
           </a:stretch>
         </p:blipFill>
         <p:spPr>
           <a:xfrm>
-            <a:off x="6909823" y="4148117"/>
-            <a:ext cx="4213860" cy="2301240"/>
+            <a:off x="6453446" y="2660000"/>
+            <a:ext cx="4983546" cy="2721575"/>
           </a:xfrm>
           <a:prstGeom prst="rect">
             <a:avLst/>
           </a:prstGeom>
+          <a:ln>
+            <a:noFill/>
+          </a:ln>
+          <a:effectLst/>
         </p:spPr>
       </p:pic>
       <p:sp>
@@ -4027,8 +4566,8 @@
         </p:nvSpPr>
         <p:spPr>
           <a:xfrm>
-            <a:off x="6400799" y="2288368"/>
-            <a:ext cx="5639139" cy="461665"/>
+            <a:off x="6029740" y="1607307"/>
+            <a:ext cx="5724938" cy="646331"/>
           </a:xfrm>
           <a:prstGeom prst="rect">
             <a:avLst/>
@@ -4043,15 +4582,290 @@
           <a:p>
             <a:pPr algn="just"/>
             <a:r>
-              <a:rPr lang="es-MX" sz="1200" dirty="0">
-                <a:latin typeface="Verdana" panose="020B0604030504040204" pitchFamily="34" charset="0"/>
-                <a:ea typeface="Verdana" panose="020B0604030504040204" pitchFamily="34" charset="0"/>
+              <a:rPr lang="es-MX" dirty="0">
+                <a:solidFill>
+                  <a:schemeClr val="tx1">
+                    <a:lumMod val="65000"/>
+                    <a:lumOff val="35000"/>
+                  </a:schemeClr>
+                </a:solidFill>
+                <a:latin typeface="Times New Roman" panose="02020603050405020304" pitchFamily="18" charset="0"/>
+                <a:ea typeface="Verdana" panose="020B0604030504040204" pitchFamily="34" charset="0"/>
+                <a:cs typeface="Times New Roman" panose="02020603050405020304" pitchFamily="18" charset="0"/>
               </a:rPr>
               <a:t>Es importante tener claro como se debe de definir las tablas de una base de datos y como seria la relación de estas</a:t>
             </a:r>
           </a:p>
         </p:txBody>
       </p:sp>
+      <p:sp>
+        <p:nvSpPr>
+          <p:cNvPr id="8" name="Rectángulo 7">
+            <a:extLst>
+              <a:ext uri="{FF2B5EF4-FFF2-40B4-BE49-F238E27FC236}">
+                <a16:creationId xmlns:a16="http://schemas.microsoft.com/office/drawing/2014/main" id="{E094D679-EB06-AC4F-8648-925CD5536860}"/>
+              </a:ext>
+            </a:extLst>
+          </p:cNvPr>
+          <p:cNvSpPr/>
+          <p:nvPr/>
+        </p:nvSpPr>
+        <p:spPr>
+          <a:xfrm>
+            <a:off x="0" y="-13252"/>
+            <a:ext cx="12192000" cy="384313"/>
+          </a:xfrm>
+          <a:prstGeom prst="rect">
+            <a:avLst/>
+          </a:prstGeom>
+          <a:solidFill>
+            <a:schemeClr val="tx2">
+              <a:lumMod val="40000"/>
+              <a:lumOff val="60000"/>
+            </a:schemeClr>
+          </a:solidFill>
+          <a:ln>
+            <a:noFill/>
+          </a:ln>
+        </p:spPr>
+        <p:style>
+          <a:lnRef idx="2">
+            <a:schemeClr val="accent1">
+              <a:shade val="50000"/>
+            </a:schemeClr>
+          </a:lnRef>
+          <a:fillRef idx="1">
+            <a:schemeClr val="accent1"/>
+          </a:fillRef>
+          <a:effectRef idx="0">
+            <a:schemeClr val="accent1"/>
+          </a:effectRef>
+          <a:fontRef idx="minor">
+            <a:schemeClr val="lt1"/>
+          </a:fontRef>
+        </p:style>
+        <p:txBody>
+          <a:bodyPr rtlCol="0" anchor="ctr"/>
+          <a:lstStyle/>
+          <a:p>
+            <a:pPr algn="ctr"/>
+            <a:endParaRPr lang="es-MX">
+              <a:solidFill>
+                <a:srgbClr val="002060"/>
+              </a:solidFill>
+            </a:endParaRPr>
+          </a:p>
+        </p:txBody>
+      </p:sp>
+      <p:sp>
+        <p:nvSpPr>
+          <p:cNvPr id="10" name="Rectángulo 9">
+            <a:extLst>
+              <a:ext uri="{FF2B5EF4-FFF2-40B4-BE49-F238E27FC236}">
+                <a16:creationId xmlns:a16="http://schemas.microsoft.com/office/drawing/2014/main" id="{C6669A93-B12A-534F-B028-8B847C5AFC66}"/>
+              </a:ext>
+            </a:extLst>
+          </p:cNvPr>
+          <p:cNvSpPr/>
+          <p:nvPr/>
+        </p:nvSpPr>
+        <p:spPr>
+          <a:xfrm>
+            <a:off x="0" y="6480313"/>
+            <a:ext cx="12192000" cy="384313"/>
+          </a:xfrm>
+          <a:prstGeom prst="rect">
+            <a:avLst/>
+          </a:prstGeom>
+          <a:solidFill>
+            <a:schemeClr val="tx2">
+              <a:lumMod val="40000"/>
+              <a:lumOff val="60000"/>
+            </a:schemeClr>
+          </a:solidFill>
+          <a:ln>
+            <a:noFill/>
+          </a:ln>
+        </p:spPr>
+        <p:style>
+          <a:lnRef idx="2">
+            <a:schemeClr val="accent1">
+              <a:shade val="50000"/>
+            </a:schemeClr>
+          </a:lnRef>
+          <a:fillRef idx="1">
+            <a:schemeClr val="accent1"/>
+          </a:fillRef>
+          <a:effectRef idx="0">
+            <a:schemeClr val="accent1"/>
+          </a:effectRef>
+          <a:fontRef idx="minor">
+            <a:schemeClr val="lt1"/>
+          </a:fontRef>
+        </p:style>
+        <p:txBody>
+          <a:bodyPr rtlCol="0" anchor="ctr"/>
+          <a:lstStyle/>
+          <a:p>
+            <a:pPr algn="ctr"/>
+            <a:endParaRPr lang="es-MX">
+              <a:solidFill>
+                <a:srgbClr val="002060"/>
+              </a:solidFill>
+            </a:endParaRPr>
+          </a:p>
+        </p:txBody>
+      </p:sp>
+      <p:sp>
+        <p:nvSpPr>
+          <p:cNvPr id="17" name="Rectángulo redondeado 16">
+            <a:extLst>
+              <a:ext uri="{FF2B5EF4-FFF2-40B4-BE49-F238E27FC236}">
+                <a16:creationId xmlns:a16="http://schemas.microsoft.com/office/drawing/2014/main" id="{7B07A310-29DE-334C-921D-93C11F6F123D}"/>
+              </a:ext>
+            </a:extLst>
+          </p:cNvPr>
+          <p:cNvSpPr/>
+          <p:nvPr/>
+        </p:nvSpPr>
+        <p:spPr>
+          <a:xfrm>
+            <a:off x="463829" y="1295308"/>
+            <a:ext cx="5287617" cy="5025979"/>
+          </a:xfrm>
+          <a:prstGeom prst="roundRect">
+            <a:avLst>
+              <a:gd name="adj" fmla="val 1664"/>
+            </a:avLst>
+          </a:prstGeom>
+          <a:noFill/>
+          <a:ln>
+            <a:solidFill>
+              <a:srgbClr val="000292"/>
+            </a:solidFill>
+          </a:ln>
+        </p:spPr>
+        <p:style>
+          <a:lnRef idx="2">
+            <a:schemeClr val="accent1">
+              <a:shade val="50000"/>
+            </a:schemeClr>
+          </a:lnRef>
+          <a:fillRef idx="1">
+            <a:schemeClr val="accent1"/>
+          </a:fillRef>
+          <a:effectRef idx="0">
+            <a:schemeClr val="accent1"/>
+          </a:effectRef>
+          <a:fontRef idx="minor">
+            <a:schemeClr val="lt1"/>
+          </a:fontRef>
+        </p:style>
+        <p:txBody>
+          <a:bodyPr rtlCol="0" anchor="ctr"/>
+          <a:lstStyle/>
+          <a:p>
+            <a:pPr algn="ctr"/>
+            <a:endParaRPr lang="es-MX"/>
+          </a:p>
+        </p:txBody>
+      </p:sp>
+      <p:sp>
+        <p:nvSpPr>
+          <p:cNvPr id="2" name="CuadroTexto 1">
+            <a:extLst>
+              <a:ext uri="{FF2B5EF4-FFF2-40B4-BE49-F238E27FC236}">
+                <a16:creationId xmlns:a16="http://schemas.microsoft.com/office/drawing/2014/main" id="{943314D1-C6B0-4325-96B3-AE3753B0F2CB}"/>
+              </a:ext>
+            </a:extLst>
+          </p:cNvPr>
+          <p:cNvSpPr txBox="1"/>
+          <p:nvPr/>
+        </p:nvSpPr>
+        <p:spPr>
+          <a:xfrm>
+            <a:off x="1179446" y="1077729"/>
+            <a:ext cx="3856383" cy="400110"/>
+          </a:xfrm>
+          <a:prstGeom prst="rect">
+            <a:avLst/>
+          </a:prstGeom>
+          <a:solidFill>
+            <a:schemeClr val="bg1">
+              <a:lumMod val="95000"/>
+            </a:schemeClr>
+          </a:solidFill>
+        </p:spPr>
+        <p:txBody>
+          <a:bodyPr wrap="square" rtlCol="0">
+            <a:spAutoFit/>
+          </a:bodyPr>
+          <a:lstStyle/>
+          <a:p>
+            <a:pPr algn="ctr"/>
+            <a:r>
+              <a:rPr lang="es-MX" sz="2000" b="1" i="1" dirty="0">
+                <a:solidFill>
+                  <a:schemeClr val="tx1">
+                    <a:lumMod val="65000"/>
+                    <a:lumOff val="35000"/>
+                  </a:schemeClr>
+                </a:solidFill>
+                <a:latin typeface="Times New Roman" panose="02020603050405020304" pitchFamily="18" charset="0"/>
+                <a:ea typeface="Verdana" panose="020B0604030504040204" pitchFamily="34" charset="0"/>
+                <a:cs typeface="Times New Roman" panose="02020603050405020304" pitchFamily="18" charset="0"/>
+              </a:rPr>
+              <a:t>Diagrama Entidad Relación</a:t>
+            </a:r>
+          </a:p>
+        </p:txBody>
+      </p:sp>
+      <p:pic>
+        <p:nvPicPr>
+          <p:cNvPr id="4" name="Imagen 3">
+            <a:extLst>
+              <a:ext uri="{FF2B5EF4-FFF2-40B4-BE49-F238E27FC236}">
+                <a16:creationId xmlns:a16="http://schemas.microsoft.com/office/drawing/2014/main" id="{51779380-D4E9-A645-B30A-80BD8E1A0C90}"/>
+              </a:ext>
+            </a:extLst>
+          </p:cNvPr>
+          <p:cNvPicPr>
+            <a:picLocks noChangeAspect="1"/>
+          </p:cNvPicPr>
+          <p:nvPr/>
+        </p:nvPicPr>
+        <p:blipFill>
+          <a:blip r:embed="rId3">
+            <a:extLst>
+              <a:ext uri="{28A0092B-C50C-407E-A947-70E740481C1C}">
+                <a14:useLocalDpi xmlns:a14="http://schemas.microsoft.com/office/drawing/2010/main"/>
+              </a:ext>
+            </a:extLst>
+          </a:blip>
+          <a:stretch>
+            <a:fillRect/>
+          </a:stretch>
+        </p:blipFill>
+        <p:spPr>
+          <a:xfrm>
+            <a:off x="696909" y="1497675"/>
+            <a:ext cx="4821455" cy="4603946"/>
+          </a:xfrm>
+          <a:prstGeom prst="rect">
+            <a:avLst/>
+          </a:prstGeom>
+          <a:ln>
+            <a:noFill/>
+          </a:ln>
+          <a:effectLst>
+            <a:outerShdw blurRad="292100" dist="139700" dir="2700000" algn="tl" rotWithShape="0">
+              <a:srgbClr val="333333">
+                <a:alpha val="65000"/>
+              </a:srgbClr>
+            </a:outerShdw>
+          </a:effectLst>
+        </p:spPr>
+      </p:pic>
     </p:spTree>
     <p:extLst>
       <p:ext uri="{BB962C8B-B14F-4D97-AF65-F5344CB8AC3E}">
@@ -4084,10 +4898,270 @@
       </p:grpSpPr>
       <p:sp>
         <p:nvSpPr>
-          <p:cNvPr id="6" name="Rectángulo 5">
-            <a:extLst>
-              <a:ext uri="{FF2B5EF4-FFF2-40B4-BE49-F238E27FC236}">
-                <a16:creationId xmlns:a16="http://schemas.microsoft.com/office/drawing/2014/main" id="{4C3DDEDF-6DD2-497F-87DA-573E0AD17F5C}"/>
+          <p:cNvPr id="9" name="CuadroTexto 8">
+            <a:extLst>
+              <a:ext uri="{FF2B5EF4-FFF2-40B4-BE49-F238E27FC236}">
+                <a16:creationId xmlns:a16="http://schemas.microsoft.com/office/drawing/2014/main" id="{C74356EE-0A48-4F4F-8C46-BEA88804A41C}"/>
+              </a:ext>
+            </a:extLst>
+          </p:cNvPr>
+          <p:cNvSpPr txBox="1"/>
+          <p:nvPr/>
+        </p:nvSpPr>
+        <p:spPr>
+          <a:xfrm>
+            <a:off x="329614" y="453224"/>
+            <a:ext cx="10852887" cy="584775"/>
+          </a:xfrm>
+          <a:prstGeom prst="rect">
+            <a:avLst/>
+          </a:prstGeom>
+          <a:noFill/>
+        </p:spPr>
+        <p:txBody>
+          <a:bodyPr wrap="square" rtlCol="0">
+            <a:spAutoFit/>
+          </a:bodyPr>
+          <a:lstStyle/>
+          <a:p>
+            <a:r>
+              <a:rPr lang="es-MX" sz="3200" b="1" i="1" dirty="0">
+                <a:solidFill>
+                  <a:schemeClr val="tx1">
+                    <a:lumMod val="65000"/>
+                    <a:lumOff val="35000"/>
+                  </a:schemeClr>
+                </a:solidFill>
+                <a:effectLst>
+                  <a:outerShdw blurRad="50800" dist="38100" dir="2700000" algn="tl" rotWithShape="0">
+                    <a:srgbClr val="ADB9CA">
+                      <a:alpha val="40000"/>
+                    </a:srgbClr>
+                  </a:outerShdw>
+                </a:effectLst>
+                <a:latin typeface="Times New Roman" panose="02020603050405020304" pitchFamily="18" charset="0"/>
+                <a:ea typeface="Verdana" panose="020B0604030504040204" pitchFamily="34" charset="0"/>
+                <a:cs typeface="Times New Roman" panose="02020603050405020304" pitchFamily="18" charset="0"/>
+              </a:rPr>
+              <a:t>Preguntas atendidas con SQL </a:t>
+            </a:r>
+            <a:r>
+              <a:rPr lang="es-MX" sz="3200" b="1" i="1" dirty="0" err="1">
+                <a:solidFill>
+                  <a:schemeClr val="tx1">
+                    <a:lumMod val="65000"/>
+                    <a:lumOff val="35000"/>
+                  </a:schemeClr>
+                </a:solidFill>
+                <a:effectLst>
+                  <a:outerShdw blurRad="50800" dist="38100" dir="2700000" algn="tl" rotWithShape="0">
+                    <a:srgbClr val="ADB9CA">
+                      <a:alpha val="40000"/>
+                    </a:srgbClr>
+                  </a:outerShdw>
+                </a:effectLst>
+                <a:latin typeface="Times New Roman" panose="02020603050405020304" pitchFamily="18" charset="0"/>
+                <a:ea typeface="Verdana" panose="020B0604030504040204" pitchFamily="34" charset="0"/>
+                <a:cs typeface="Times New Roman" panose="02020603050405020304" pitchFamily="18" charset="0"/>
+              </a:rPr>
+              <a:t>workbench</a:t>
+            </a:r>
+            <a:endParaRPr lang="es-MX" sz="3200" b="1" i="1" dirty="0">
+              <a:solidFill>
+                <a:schemeClr val="tx1">
+                  <a:lumMod val="65000"/>
+                  <a:lumOff val="35000"/>
+                </a:schemeClr>
+              </a:solidFill>
+              <a:effectLst>
+                <a:outerShdw blurRad="50800" dist="38100" dir="2700000" algn="tl" rotWithShape="0">
+                  <a:srgbClr val="ADB9CA">
+                    <a:alpha val="40000"/>
+                  </a:srgbClr>
+                </a:outerShdw>
+              </a:effectLst>
+              <a:latin typeface="Times New Roman" panose="02020603050405020304" pitchFamily="18" charset="0"/>
+              <a:ea typeface="Verdana" panose="020B0604030504040204" pitchFamily="34" charset="0"/>
+              <a:cs typeface="Times New Roman" panose="02020603050405020304" pitchFamily="18" charset="0"/>
+            </a:endParaRPr>
+          </a:p>
+        </p:txBody>
+      </p:sp>
+      <p:sp>
+        <p:nvSpPr>
+          <p:cNvPr id="3" name="CuadroTexto 2">
+            <a:extLst>
+              <a:ext uri="{FF2B5EF4-FFF2-40B4-BE49-F238E27FC236}">
+                <a16:creationId xmlns:a16="http://schemas.microsoft.com/office/drawing/2014/main" id="{4A77FA4B-4A2E-42E2-8E10-2196D458F211}"/>
+              </a:ext>
+            </a:extLst>
+          </p:cNvPr>
+          <p:cNvSpPr txBox="1"/>
+          <p:nvPr/>
+        </p:nvSpPr>
+        <p:spPr>
+          <a:xfrm>
+            <a:off x="6744226" y="1701361"/>
+            <a:ext cx="5380934" cy="923330"/>
+          </a:xfrm>
+          <a:prstGeom prst="rect">
+            <a:avLst/>
+          </a:prstGeom>
+          <a:noFill/>
+        </p:spPr>
+        <p:txBody>
+          <a:bodyPr wrap="square" rtlCol="0">
+            <a:spAutoFit/>
+          </a:bodyPr>
+          <a:lstStyle/>
+          <a:p>
+            <a:pPr algn="ctr"/>
+            <a:r>
+              <a:rPr lang="es-MX" dirty="0">
+                <a:solidFill>
+                  <a:schemeClr val="tx1">
+                    <a:lumMod val="65000"/>
+                    <a:lumOff val="35000"/>
+                  </a:schemeClr>
+                </a:solidFill>
+                <a:latin typeface="Times New Roman" panose="02020603050405020304" pitchFamily="18" charset="0"/>
+                <a:ea typeface="Verdana" panose="020B0604030504040204" pitchFamily="34" charset="0"/>
+                <a:cs typeface="Times New Roman" panose="02020603050405020304" pitchFamily="18" charset="0"/>
+              </a:rPr>
+              <a:t>¿Cuáles son los </a:t>
+            </a:r>
+            <a:r>
+              <a:rPr lang="es-MX" b="1" dirty="0">
+                <a:solidFill>
+                  <a:schemeClr val="tx1">
+                    <a:lumMod val="65000"/>
+                    <a:lumOff val="35000"/>
+                  </a:schemeClr>
+                </a:solidFill>
+                <a:latin typeface="Times New Roman" panose="02020603050405020304" pitchFamily="18" charset="0"/>
+                <a:ea typeface="Verdana" panose="020B0604030504040204" pitchFamily="34" charset="0"/>
+                <a:cs typeface="Times New Roman" panose="02020603050405020304" pitchFamily="18" charset="0"/>
+              </a:rPr>
+              <a:t>3 bancos con más saldo </a:t>
+            </a:r>
+            <a:br>
+              <a:rPr lang="es-MX" dirty="0">
+                <a:solidFill>
+                  <a:schemeClr val="tx1">
+                    <a:lumMod val="65000"/>
+                    <a:lumOff val="35000"/>
+                  </a:schemeClr>
+                </a:solidFill>
+                <a:latin typeface="Times New Roman" panose="02020603050405020304" pitchFamily="18" charset="0"/>
+                <a:ea typeface="Verdana" panose="020B0604030504040204" pitchFamily="34" charset="0"/>
+                <a:cs typeface="Times New Roman" panose="02020603050405020304" pitchFamily="18" charset="0"/>
+              </a:rPr>
+            </a:br>
+            <a:r>
+              <a:rPr lang="es-MX" dirty="0">
+                <a:solidFill>
+                  <a:schemeClr val="tx1">
+                    <a:lumMod val="65000"/>
+                    <a:lumOff val="35000"/>
+                  </a:schemeClr>
+                </a:solidFill>
+                <a:latin typeface="Times New Roman" panose="02020603050405020304" pitchFamily="18" charset="0"/>
+                <a:ea typeface="Verdana" panose="020B0604030504040204" pitchFamily="34" charset="0"/>
+                <a:cs typeface="Times New Roman" panose="02020603050405020304" pitchFamily="18" charset="0"/>
+              </a:rPr>
+              <a:t>de nómina en febrero 2020?</a:t>
+            </a:r>
+          </a:p>
+          <a:p>
+            <a:pPr algn="ctr"/>
+            <a:endParaRPr lang="es-MX" b="1" dirty="0"/>
+          </a:p>
+        </p:txBody>
+      </p:sp>
+      <p:sp>
+        <p:nvSpPr>
+          <p:cNvPr id="4" name="CuadroTexto 3">
+            <a:extLst>
+              <a:ext uri="{FF2B5EF4-FFF2-40B4-BE49-F238E27FC236}">
+                <a16:creationId xmlns:a16="http://schemas.microsoft.com/office/drawing/2014/main" id="{49363A98-20CD-4069-80C2-863A5EB1DA93}"/>
+              </a:ext>
+            </a:extLst>
+          </p:cNvPr>
+          <p:cNvSpPr txBox="1"/>
+          <p:nvPr/>
+        </p:nvSpPr>
+        <p:spPr>
+          <a:xfrm>
+            <a:off x="567023" y="1701361"/>
+            <a:ext cx="5766386" cy="646331"/>
+          </a:xfrm>
+          <a:prstGeom prst="rect">
+            <a:avLst/>
+          </a:prstGeom>
+          <a:noFill/>
+        </p:spPr>
+        <p:txBody>
+          <a:bodyPr wrap="square" rtlCol="0">
+            <a:spAutoFit/>
+          </a:bodyPr>
+          <a:lstStyle/>
+          <a:p>
+            <a:pPr algn="ctr">
+              <a:tabLst>
+                <a:tab pos="3952875" algn="l"/>
+              </a:tabLst>
+            </a:pPr>
+            <a:r>
+              <a:rPr lang="es-MX" dirty="0">
+                <a:solidFill>
+                  <a:schemeClr val="tx1">
+                    <a:lumMod val="65000"/>
+                    <a:lumOff val="35000"/>
+                  </a:schemeClr>
+                </a:solidFill>
+                <a:latin typeface="Times New Roman" panose="02020603050405020304" pitchFamily="18" charset="0"/>
+                <a:ea typeface="Verdana" panose="020B0604030504040204" pitchFamily="34" charset="0"/>
+                <a:cs typeface="Times New Roman" panose="02020603050405020304" pitchFamily="18" charset="0"/>
+              </a:rPr>
+              <a:t>Saber cual es el </a:t>
+            </a:r>
+            <a:r>
+              <a:rPr lang="es-MX" b="1" dirty="0">
+                <a:solidFill>
+                  <a:schemeClr val="tx1">
+                    <a:lumMod val="65000"/>
+                    <a:lumOff val="35000"/>
+                  </a:schemeClr>
+                </a:solidFill>
+                <a:latin typeface="Times New Roman" panose="02020603050405020304" pitchFamily="18" charset="0"/>
+                <a:ea typeface="Verdana" panose="020B0604030504040204" pitchFamily="34" charset="0"/>
+                <a:cs typeface="Times New Roman" panose="02020603050405020304" pitchFamily="18" charset="0"/>
+              </a:rPr>
+              <a:t>total de Bancos</a:t>
+            </a:r>
+            <a:r>
+              <a:rPr lang="es-MX" dirty="0">
+                <a:solidFill>
+                  <a:schemeClr val="tx1">
+                    <a:lumMod val="65000"/>
+                    <a:lumOff val="35000"/>
+                  </a:schemeClr>
+                </a:solidFill>
+                <a:latin typeface="Times New Roman" panose="02020603050405020304" pitchFamily="18" charset="0"/>
+                <a:ea typeface="Verdana" panose="020B0604030504040204" pitchFamily="34" charset="0"/>
+                <a:cs typeface="Times New Roman" panose="02020603050405020304" pitchFamily="18" charset="0"/>
+              </a:rPr>
+              <a:t> que hay por municipio y estado que tengan cuentas de Nivel 4</a:t>
+            </a:r>
+          </a:p>
+        </p:txBody>
+      </p:sp>
+      <p:sp>
+        <p:nvSpPr>
+          <p:cNvPr id="8" name="Rectángulo 7">
+            <a:extLst>
+              <a:ext uri="{FF2B5EF4-FFF2-40B4-BE49-F238E27FC236}">
+                <a16:creationId xmlns:a16="http://schemas.microsoft.com/office/drawing/2014/main" id="{C40CB03F-54B9-9E47-9B75-E02724BB5466}"/>
               </a:ext>
             </a:extLst>
           </p:cNvPr>
@@ -4096,15 +5170,21 @@
         </p:nvSpPr>
         <p:spPr>
           <a:xfrm>
-            <a:off x="0" y="0"/>
-            <a:ext cx="12192000" cy="870012"/>
+            <a:off x="0" y="-13252"/>
+            <a:ext cx="12192000" cy="384313"/>
           </a:xfrm>
           <a:prstGeom prst="rect">
             <a:avLst/>
           </a:prstGeom>
           <a:solidFill>
-            <a:srgbClr val="002060"/>
+            <a:schemeClr val="tx2">
+              <a:lumMod val="40000"/>
+              <a:lumOff val="60000"/>
+            </a:schemeClr>
           </a:solidFill>
+          <a:ln>
+            <a:noFill/>
+          </a:ln>
         </p:spPr>
         <p:style>
           <a:lnRef idx="2">
@@ -4137,108 +5217,134 @@
       </p:sp>
       <p:sp>
         <p:nvSpPr>
-          <p:cNvPr id="9" name="CuadroTexto 8">
-            <a:extLst>
-              <a:ext uri="{FF2B5EF4-FFF2-40B4-BE49-F238E27FC236}">
-                <a16:creationId xmlns:a16="http://schemas.microsoft.com/office/drawing/2014/main" id="{C74356EE-0A48-4F4F-8C46-BEA88804A41C}"/>
-              </a:ext>
-            </a:extLst>
-          </p:cNvPr>
-          <p:cNvSpPr txBox="1"/>
+          <p:cNvPr id="11" name="Rectángulo 10">
+            <a:extLst>
+              <a:ext uri="{FF2B5EF4-FFF2-40B4-BE49-F238E27FC236}">
+                <a16:creationId xmlns:a16="http://schemas.microsoft.com/office/drawing/2014/main" id="{C7DE88E1-D402-894B-937A-C8844720E232}"/>
+              </a:ext>
+            </a:extLst>
+          </p:cNvPr>
+          <p:cNvSpPr/>
           <p:nvPr/>
         </p:nvSpPr>
         <p:spPr>
           <a:xfrm>
-            <a:off x="133165" y="169883"/>
-            <a:ext cx="6489577" cy="369332"/>
+            <a:off x="0" y="6480313"/>
+            <a:ext cx="12192000" cy="384313"/>
           </a:xfrm>
           <a:prstGeom prst="rect">
             <a:avLst/>
           </a:prstGeom>
-          <a:noFill/>
-        </p:spPr>
-        <p:txBody>
-          <a:bodyPr wrap="square" rtlCol="0">
-            <a:spAutoFit/>
-          </a:bodyPr>
-          <a:lstStyle/>
-          <a:p>
-            <a:r>
-              <a:rPr lang="es-MX" b="1" dirty="0">
-                <a:solidFill>
-                  <a:schemeClr val="bg1"/>
-                </a:solidFill>
-                <a:latin typeface="Verdana" panose="020B0604030504040204" pitchFamily="34" charset="0"/>
-                <a:ea typeface="Verdana" panose="020B0604030504040204" pitchFamily="34" charset="0"/>
-              </a:rPr>
-              <a:t>Preguntas atendidas con SQL </a:t>
-            </a:r>
-            <a:r>
-              <a:rPr lang="es-MX" b="1" dirty="0" err="1">
-                <a:solidFill>
-                  <a:schemeClr val="bg1"/>
-                </a:solidFill>
-                <a:latin typeface="Verdana" panose="020B0604030504040204" pitchFamily="34" charset="0"/>
-                <a:ea typeface="Verdana" panose="020B0604030504040204" pitchFamily="34" charset="0"/>
-              </a:rPr>
-              <a:t>workbench</a:t>
-            </a:r>
-            <a:endParaRPr lang="es-MX" b="1" dirty="0">
+          <a:solidFill>
+            <a:schemeClr val="tx2">
+              <a:lumMod val="40000"/>
+              <a:lumOff val="60000"/>
+            </a:schemeClr>
+          </a:solidFill>
+          <a:ln>
+            <a:noFill/>
+          </a:ln>
+        </p:spPr>
+        <p:style>
+          <a:lnRef idx="2">
+            <a:schemeClr val="accent1">
+              <a:shade val="50000"/>
+            </a:schemeClr>
+          </a:lnRef>
+          <a:fillRef idx="1">
+            <a:schemeClr val="accent1"/>
+          </a:fillRef>
+          <a:effectRef idx="0">
+            <a:schemeClr val="accent1"/>
+          </a:effectRef>
+          <a:fontRef idx="minor">
+            <a:schemeClr val="lt1"/>
+          </a:fontRef>
+        </p:style>
+        <p:txBody>
+          <a:bodyPr rtlCol="0" anchor="ctr"/>
+          <a:lstStyle/>
+          <a:p>
+            <a:pPr algn="ctr"/>
+            <a:endParaRPr lang="es-MX">
               <a:solidFill>
-                <a:schemeClr val="bg1"/>
+                <a:srgbClr val="002060"/>
               </a:solidFill>
-              <a:latin typeface="Verdana" panose="020B0604030504040204" pitchFamily="34" charset="0"/>
-              <a:ea typeface="Verdana" panose="020B0604030504040204" pitchFamily="34" charset="0"/>
             </a:endParaRPr>
           </a:p>
         </p:txBody>
       </p:sp>
       <p:sp>
         <p:nvSpPr>
-          <p:cNvPr id="3" name="CuadroTexto 2">
-            <a:extLst>
-              <a:ext uri="{FF2B5EF4-FFF2-40B4-BE49-F238E27FC236}">
-                <a16:creationId xmlns:a16="http://schemas.microsoft.com/office/drawing/2014/main" id="{4A77FA4B-4A2E-42E2-8E10-2196D458F211}"/>
-              </a:ext>
-            </a:extLst>
-          </p:cNvPr>
-          <p:cNvSpPr txBox="1"/>
+          <p:cNvPr id="7" name="Rectángulo redondeado 6">
+            <a:extLst>
+              <a:ext uri="{FF2B5EF4-FFF2-40B4-BE49-F238E27FC236}">
+                <a16:creationId xmlns:a16="http://schemas.microsoft.com/office/drawing/2014/main" id="{229049CB-CA53-0A44-B7B0-B98008F6F14D}"/>
+              </a:ext>
+            </a:extLst>
+          </p:cNvPr>
+          <p:cNvSpPr/>
           <p:nvPr/>
         </p:nvSpPr>
         <p:spPr>
           <a:xfrm>
-            <a:off x="6622742" y="1701361"/>
-            <a:ext cx="5380934" cy="923330"/>
-          </a:xfrm>
-          <a:prstGeom prst="rect">
-            <a:avLst/>
+            <a:off x="507389" y="2517913"/>
+            <a:ext cx="6031429" cy="3326296"/>
+          </a:xfrm>
+          <a:prstGeom prst="roundRect">
+            <a:avLst>
+              <a:gd name="adj" fmla="val 4715"/>
+            </a:avLst>
           </a:prstGeom>
-          <a:noFill/>
-        </p:spPr>
-        <p:txBody>
-          <a:bodyPr wrap="square" rtlCol="0">
-            <a:spAutoFit/>
-          </a:bodyPr>
-          <a:lstStyle/>
-          <a:p>
-            <a:pPr algn="just"/>
-            <a:r>
-              <a:rPr lang="es-MX" dirty="0"/>
-              <a:t>¿Cuáles son los 3 bancos con más saldo de nómina en febrero 2020?</a:t>
-            </a:r>
-          </a:p>
-          <a:p>
-            <a:pPr algn="just"/>
-            <a:endParaRPr lang="es-MX" b="1" dirty="0"/>
+          <a:solidFill>
+            <a:schemeClr val="bg1"/>
+          </a:solidFill>
+          <a:ln>
+            <a:solidFill>
+              <a:schemeClr val="bg1">
+                <a:lumMod val="65000"/>
+              </a:schemeClr>
+            </a:solidFill>
+          </a:ln>
+          <a:effectLst>
+            <a:outerShdw blurRad="165100" dist="127000" dir="5520000" sx="103000" sy="103000" algn="tl" rotWithShape="0">
+              <a:prstClr val="black">
+                <a:alpha val="19000"/>
+              </a:prstClr>
+            </a:outerShdw>
+          </a:effectLst>
+        </p:spPr>
+        <p:style>
+          <a:lnRef idx="2">
+            <a:schemeClr val="accent1">
+              <a:shade val="50000"/>
+            </a:schemeClr>
+          </a:lnRef>
+          <a:fillRef idx="1">
+            <a:schemeClr val="accent1"/>
+          </a:fillRef>
+          <a:effectRef idx="0">
+            <a:schemeClr val="accent1"/>
+          </a:effectRef>
+          <a:fontRef idx="minor">
+            <a:schemeClr val="lt1"/>
+          </a:fontRef>
+        </p:style>
+        <p:txBody>
+          <a:bodyPr rtlCol="0" anchor="ctr"/>
+          <a:lstStyle/>
+          <a:p>
+            <a:pPr algn="ctr"/>
+            <a:endParaRPr lang="es-MX" dirty="0"/>
           </a:p>
         </p:txBody>
       </p:sp>
       <p:pic>
         <p:nvPicPr>
-          <p:cNvPr id="10" name="image115.png">
-            <a:extLst>
-              <a:ext uri="{FF2B5EF4-FFF2-40B4-BE49-F238E27FC236}">
-                <a16:creationId xmlns:a16="http://schemas.microsoft.com/office/drawing/2014/main" id="{0E73C3A3-CCFC-4B37-853F-372BAE404445}"/>
+          <p:cNvPr id="13" name="image61.png">
+            <a:extLst>
+              <a:ext uri="{FF2B5EF4-FFF2-40B4-BE49-F238E27FC236}">
+                <a16:creationId xmlns:a16="http://schemas.microsoft.com/office/drawing/2014/main" id="{87602A19-0784-4127-913B-F36E53E5540B}"/>
               </a:ext>
             </a:extLst>
           </p:cNvPr>
@@ -4254,8 +5360,8 @@
         </p:blipFill>
         <p:spPr>
           <a:xfrm>
-            <a:off x="7929123" y="2861235"/>
-            <a:ext cx="2600325" cy="1009650"/>
+            <a:off x="712797" y="2754889"/>
+            <a:ext cx="5620612" cy="2852344"/>
           </a:xfrm>
           <a:prstGeom prst="rect">
             <a:avLst/>
@@ -4265,46 +5371,75 @@
       </p:pic>
       <p:sp>
         <p:nvSpPr>
-          <p:cNvPr id="4" name="CuadroTexto 3">
-            <a:extLst>
-              <a:ext uri="{FF2B5EF4-FFF2-40B4-BE49-F238E27FC236}">
-                <a16:creationId xmlns:a16="http://schemas.microsoft.com/office/drawing/2014/main" id="{49363A98-20CD-4069-80C2-863A5EB1DA93}"/>
-              </a:ext>
-            </a:extLst>
-          </p:cNvPr>
-          <p:cNvSpPr txBox="1"/>
+          <p:cNvPr id="14" name="Rectángulo redondeado 13">
+            <a:extLst>
+              <a:ext uri="{FF2B5EF4-FFF2-40B4-BE49-F238E27FC236}">
+                <a16:creationId xmlns:a16="http://schemas.microsoft.com/office/drawing/2014/main" id="{D3326D27-2708-0A46-871A-B1BF8C1AC62A}"/>
+              </a:ext>
+            </a:extLst>
+          </p:cNvPr>
+          <p:cNvSpPr/>
           <p:nvPr/>
         </p:nvSpPr>
         <p:spPr>
           <a:xfrm>
-            <a:off x="329614" y="1701361"/>
-            <a:ext cx="5766386" cy="646331"/>
-          </a:xfrm>
-          <a:prstGeom prst="rect">
-            <a:avLst/>
+            <a:off x="7550531" y="2517913"/>
+            <a:ext cx="3888053" cy="2144238"/>
+          </a:xfrm>
+          <a:prstGeom prst="roundRect">
+            <a:avLst>
+              <a:gd name="adj" fmla="val 4715"/>
+            </a:avLst>
           </a:prstGeom>
-          <a:noFill/>
-        </p:spPr>
-        <p:txBody>
-          <a:bodyPr wrap="square" rtlCol="0">
-            <a:spAutoFit/>
-          </a:bodyPr>
-          <a:lstStyle/>
-          <a:p>
-            <a:pPr algn="just"/>
-            <a:r>
-              <a:rPr lang="es-MX" dirty="0"/>
-              <a:t>Saber cual es el total de Bancos que hay por municipio y estado que tengan cuentas de Nivel 4</a:t>
-            </a:r>
+          <a:solidFill>
+            <a:schemeClr val="bg1"/>
+          </a:solidFill>
+          <a:ln>
+            <a:solidFill>
+              <a:schemeClr val="bg1">
+                <a:lumMod val="65000"/>
+              </a:schemeClr>
+            </a:solidFill>
+          </a:ln>
+          <a:effectLst>
+            <a:outerShdw blurRad="355600" dist="203200" dir="2700000" algn="tl" rotWithShape="0">
+              <a:prstClr val="black">
+                <a:alpha val="40000"/>
+              </a:prstClr>
+            </a:outerShdw>
+          </a:effectLst>
+        </p:spPr>
+        <p:style>
+          <a:lnRef idx="2">
+            <a:schemeClr val="accent1">
+              <a:shade val="50000"/>
+            </a:schemeClr>
+          </a:lnRef>
+          <a:fillRef idx="1">
+            <a:schemeClr val="accent1"/>
+          </a:fillRef>
+          <a:effectRef idx="0">
+            <a:schemeClr val="accent1"/>
+          </a:effectRef>
+          <a:fontRef idx="minor">
+            <a:schemeClr val="lt1"/>
+          </a:fontRef>
+        </p:style>
+        <p:txBody>
+          <a:bodyPr rtlCol="0" anchor="ctr"/>
+          <a:lstStyle/>
+          <a:p>
+            <a:pPr algn="ctr"/>
+            <a:endParaRPr lang="es-MX" dirty="0"/>
           </a:p>
         </p:txBody>
       </p:sp>
       <p:pic>
         <p:nvPicPr>
-          <p:cNvPr id="13" name="image61.png">
-            <a:extLst>
-              <a:ext uri="{FF2B5EF4-FFF2-40B4-BE49-F238E27FC236}">
-                <a16:creationId xmlns:a16="http://schemas.microsoft.com/office/drawing/2014/main" id="{87602A19-0784-4127-913B-F36E53E5540B}"/>
+          <p:cNvPr id="10" name="image115.png">
+            <a:extLst>
+              <a:ext uri="{FF2B5EF4-FFF2-40B4-BE49-F238E27FC236}">
+                <a16:creationId xmlns:a16="http://schemas.microsoft.com/office/drawing/2014/main" id="{0E73C3A3-CCFC-4B37-853F-372BAE404445}"/>
               </a:ext>
             </a:extLst>
           </p:cNvPr>
@@ -4320,8 +5455,8 @@
         </p:blipFill>
         <p:spPr>
           <a:xfrm>
-            <a:off x="329614" y="2429855"/>
-            <a:ext cx="5730875" cy="2908300"/>
+            <a:off x="7905875" y="3047240"/>
+            <a:ext cx="3177365" cy="1233702"/>
           </a:xfrm>
           <a:prstGeom prst="rect">
             <a:avLst/>
@@ -4329,6 +5464,80 @@
           <a:ln/>
         </p:spPr>
       </p:pic>
+      <p:cxnSp>
+        <p:nvCxnSpPr>
+          <p:cNvPr id="15" name="Conector recto 14">
+            <a:extLst>
+              <a:ext uri="{FF2B5EF4-FFF2-40B4-BE49-F238E27FC236}">
+                <a16:creationId xmlns:a16="http://schemas.microsoft.com/office/drawing/2014/main" id="{1FF72FC5-D178-5742-AD83-7B235529CE95}"/>
+              </a:ext>
+            </a:extLst>
+          </p:cNvPr>
+          <p:cNvCxnSpPr/>
+          <p:nvPr/>
+        </p:nvCxnSpPr>
+        <p:spPr>
+          <a:xfrm>
+            <a:off x="507389" y="2374203"/>
+            <a:ext cx="6205491" cy="0"/>
+          </a:xfrm>
+          <a:prstGeom prst="line">
+            <a:avLst/>
+          </a:prstGeom>
+        </p:spPr>
+        <p:style>
+          <a:lnRef idx="1">
+            <a:schemeClr val="accent1"/>
+          </a:lnRef>
+          <a:fillRef idx="0">
+            <a:schemeClr val="accent1"/>
+          </a:fillRef>
+          <a:effectRef idx="0">
+            <a:schemeClr val="accent1"/>
+          </a:effectRef>
+          <a:fontRef idx="minor">
+            <a:schemeClr val="tx1"/>
+          </a:fontRef>
+        </p:style>
+      </p:cxnSp>
+      <p:cxnSp>
+        <p:nvCxnSpPr>
+          <p:cNvPr id="16" name="Conector recto 15">
+            <a:extLst>
+              <a:ext uri="{FF2B5EF4-FFF2-40B4-BE49-F238E27FC236}">
+                <a16:creationId xmlns:a16="http://schemas.microsoft.com/office/drawing/2014/main" id="{F115EEB9-F2B8-8045-AB9A-8E37219A9489}"/>
+              </a:ext>
+            </a:extLst>
+          </p:cNvPr>
+          <p:cNvCxnSpPr>
+            <a:cxnSpLocks/>
+          </p:cNvCxnSpPr>
+          <p:nvPr/>
+        </p:nvCxnSpPr>
+        <p:spPr>
+          <a:xfrm>
+            <a:off x="7391892" y="2374203"/>
+            <a:ext cx="4197133" cy="0"/>
+          </a:xfrm>
+          <a:prstGeom prst="line">
+            <a:avLst/>
+          </a:prstGeom>
+        </p:spPr>
+        <p:style>
+          <a:lnRef idx="1">
+            <a:schemeClr val="accent1"/>
+          </a:lnRef>
+          <a:fillRef idx="0">
+            <a:schemeClr val="accent1"/>
+          </a:fillRef>
+          <a:effectRef idx="0">
+            <a:schemeClr val="accent1"/>
+          </a:effectRef>
+          <a:fontRef idx="minor">
+            <a:schemeClr val="tx1"/>
+          </a:fontRef>
+        </p:style>
+      </p:cxnSp>
     </p:spTree>
     <p:extLst>
       <p:ext uri="{BB962C8B-B14F-4D97-AF65-F5344CB8AC3E}">
@@ -4361,10 +5570,10 @@
       </p:grpSpPr>
       <p:sp>
         <p:nvSpPr>
-          <p:cNvPr id="6" name="Rectángulo 5">
-            <a:extLst>
-              <a:ext uri="{FF2B5EF4-FFF2-40B4-BE49-F238E27FC236}">
-                <a16:creationId xmlns:a16="http://schemas.microsoft.com/office/drawing/2014/main" id="{4C3DDEDF-6DD2-497F-87DA-573E0AD17F5C}"/>
+          <p:cNvPr id="13" name="Rectángulo redondeado 12">
+            <a:extLst>
+              <a:ext uri="{FF2B5EF4-FFF2-40B4-BE49-F238E27FC236}">
+                <a16:creationId xmlns:a16="http://schemas.microsoft.com/office/drawing/2014/main" id="{A2D7F373-3FC1-7E49-839A-3E71E8BC8F51}"/>
               </a:ext>
             </a:extLst>
           </p:cNvPr>
@@ -4373,15 +5582,31 @@
         </p:nvSpPr>
         <p:spPr>
           <a:xfrm>
-            <a:off x="0" y="0"/>
-            <a:ext cx="12192000" cy="870012"/>
-          </a:xfrm>
-          <a:prstGeom prst="rect">
-            <a:avLst/>
+            <a:off x="6272707" y="2833557"/>
+            <a:ext cx="5540323" cy="3055454"/>
+          </a:xfrm>
+          <a:prstGeom prst="roundRect">
+            <a:avLst>
+              <a:gd name="adj" fmla="val 4715"/>
+            </a:avLst>
           </a:prstGeom>
           <a:solidFill>
-            <a:srgbClr val="002060"/>
+            <a:schemeClr val="bg1"/>
           </a:solidFill>
+          <a:ln>
+            <a:solidFill>
+              <a:schemeClr val="bg1">
+                <a:lumMod val="65000"/>
+              </a:schemeClr>
+            </a:solidFill>
+          </a:ln>
+          <a:effectLst>
+            <a:outerShdw blurRad="165100" dist="127000" dir="5520000" sx="103000" sy="103000" algn="tl" rotWithShape="0">
+              <a:prstClr val="black">
+                <a:alpha val="19000"/>
+              </a:prstClr>
+            </a:outerShdw>
+          </a:effectLst>
         </p:spPr>
         <p:style>
           <a:lnRef idx="2">
@@ -4404,6 +5629,452 @@
           <a:lstStyle/>
           <a:p>
             <a:pPr algn="ctr"/>
+            <a:endParaRPr lang="es-MX" dirty="0"/>
+          </a:p>
+        </p:txBody>
+      </p:sp>
+      <p:sp>
+        <p:nvSpPr>
+          <p:cNvPr id="12" name="Rectángulo redondeado 11">
+            <a:extLst>
+              <a:ext uri="{FF2B5EF4-FFF2-40B4-BE49-F238E27FC236}">
+                <a16:creationId xmlns:a16="http://schemas.microsoft.com/office/drawing/2014/main" id="{3601EE36-4285-024E-8B77-29541D03A854}"/>
+              </a:ext>
+            </a:extLst>
+          </p:cNvPr>
+          <p:cNvSpPr/>
+          <p:nvPr/>
+        </p:nvSpPr>
+        <p:spPr>
+          <a:xfrm>
+            <a:off x="362238" y="2833557"/>
+            <a:ext cx="5540323" cy="3055454"/>
+          </a:xfrm>
+          <a:prstGeom prst="roundRect">
+            <a:avLst>
+              <a:gd name="adj" fmla="val 4715"/>
+            </a:avLst>
+          </a:prstGeom>
+          <a:solidFill>
+            <a:schemeClr val="bg1"/>
+          </a:solidFill>
+          <a:ln>
+            <a:solidFill>
+              <a:schemeClr val="bg1">
+                <a:lumMod val="65000"/>
+              </a:schemeClr>
+            </a:solidFill>
+          </a:ln>
+          <a:effectLst>
+            <a:outerShdw blurRad="165100" dist="127000" dir="5520000" sx="103000" sy="103000" algn="tl" rotWithShape="0">
+              <a:prstClr val="black">
+                <a:alpha val="19000"/>
+              </a:prstClr>
+            </a:outerShdw>
+          </a:effectLst>
+        </p:spPr>
+        <p:style>
+          <a:lnRef idx="2">
+            <a:schemeClr val="accent1">
+              <a:shade val="50000"/>
+            </a:schemeClr>
+          </a:lnRef>
+          <a:fillRef idx="1">
+            <a:schemeClr val="accent1"/>
+          </a:fillRef>
+          <a:effectRef idx="0">
+            <a:schemeClr val="accent1"/>
+          </a:effectRef>
+          <a:fontRef idx="minor">
+            <a:schemeClr val="lt1"/>
+          </a:fontRef>
+        </p:style>
+        <p:txBody>
+          <a:bodyPr rtlCol="0" anchor="ctr"/>
+          <a:lstStyle/>
+          <a:p>
+            <a:pPr algn="ctr"/>
+            <a:endParaRPr lang="es-MX" dirty="0"/>
+          </a:p>
+        </p:txBody>
+      </p:sp>
+      <p:sp>
+        <p:nvSpPr>
+          <p:cNvPr id="9" name="CuadroTexto 8">
+            <a:extLst>
+              <a:ext uri="{FF2B5EF4-FFF2-40B4-BE49-F238E27FC236}">
+                <a16:creationId xmlns:a16="http://schemas.microsoft.com/office/drawing/2014/main" id="{C74356EE-0A48-4F4F-8C46-BEA88804A41C}"/>
+              </a:ext>
+            </a:extLst>
+          </p:cNvPr>
+          <p:cNvSpPr txBox="1"/>
+          <p:nvPr/>
+        </p:nvSpPr>
+        <p:spPr>
+          <a:xfrm>
+            <a:off x="133165" y="506769"/>
+            <a:ext cx="6489577" cy="584775"/>
+          </a:xfrm>
+          <a:prstGeom prst="rect">
+            <a:avLst/>
+          </a:prstGeom>
+          <a:noFill/>
+        </p:spPr>
+        <p:txBody>
+          <a:bodyPr wrap="square" rtlCol="0">
+            <a:spAutoFit/>
+          </a:bodyPr>
+          <a:lstStyle/>
+          <a:p>
+            <a:r>
+              <a:rPr lang="es-MX" sz="3200" b="1" i="1" dirty="0">
+                <a:solidFill>
+                  <a:schemeClr val="tx1">
+                    <a:lumMod val="65000"/>
+                    <a:lumOff val="35000"/>
+                  </a:schemeClr>
+                </a:solidFill>
+                <a:effectLst>
+                  <a:outerShdw blurRad="50800" dist="38100" dir="2700000" algn="tl" rotWithShape="0">
+                    <a:srgbClr val="ADB9CA">
+                      <a:alpha val="40000"/>
+                    </a:srgbClr>
+                  </a:outerShdw>
+                </a:effectLst>
+                <a:latin typeface="Times New Roman" panose="02020603050405020304" pitchFamily="18" charset="0"/>
+                <a:ea typeface="Verdana" panose="020B0604030504040204" pitchFamily="34" charset="0"/>
+                <a:cs typeface="Times New Roman" panose="02020603050405020304" pitchFamily="18" charset="0"/>
+              </a:rPr>
+              <a:t>Preguntas atendidas con Mongo</a:t>
+            </a:r>
+          </a:p>
+        </p:txBody>
+      </p:sp>
+      <p:sp>
+        <p:nvSpPr>
+          <p:cNvPr id="3" name="CuadroTexto 2">
+            <a:extLst>
+              <a:ext uri="{FF2B5EF4-FFF2-40B4-BE49-F238E27FC236}">
+                <a16:creationId xmlns:a16="http://schemas.microsoft.com/office/drawing/2014/main" id="{4A77FA4B-4A2E-42E2-8E10-2196D458F211}"/>
+              </a:ext>
+            </a:extLst>
+          </p:cNvPr>
+          <p:cNvSpPr txBox="1"/>
+          <p:nvPr/>
+        </p:nvSpPr>
+        <p:spPr>
+          <a:xfrm>
+            <a:off x="859023" y="1682846"/>
+            <a:ext cx="5060271" cy="1200329"/>
+          </a:xfrm>
+          <a:prstGeom prst="rect">
+            <a:avLst/>
+          </a:prstGeom>
+          <a:noFill/>
+        </p:spPr>
+        <p:txBody>
+          <a:bodyPr wrap="square" rtlCol="0">
+            <a:spAutoFit/>
+          </a:bodyPr>
+          <a:lstStyle/>
+          <a:p>
+            <a:pPr algn="ctr"/>
+            <a:r>
+              <a:rPr lang="es-MX" dirty="0">
+                <a:solidFill>
+                  <a:schemeClr val="tx1">
+                    <a:lumMod val="65000"/>
+                    <a:lumOff val="35000"/>
+                  </a:schemeClr>
+                </a:solidFill>
+                <a:latin typeface="Times New Roman" panose="02020603050405020304" pitchFamily="18" charset="0"/>
+                <a:ea typeface="Verdana" panose="020B0604030504040204" pitchFamily="34" charset="0"/>
+                <a:cs typeface="Times New Roman" panose="02020603050405020304" pitchFamily="18" charset="0"/>
+              </a:rPr>
+              <a:t>¿Cuál es el total de cuentas transaccionales que hay de </a:t>
+            </a:r>
+            <a:r>
+              <a:rPr lang="es-MX" b="1" dirty="0">
+                <a:solidFill>
+                  <a:schemeClr val="tx1">
+                    <a:lumMod val="65000"/>
+                    <a:lumOff val="35000"/>
+                  </a:schemeClr>
+                </a:solidFill>
+                <a:latin typeface="Times New Roman" panose="02020603050405020304" pitchFamily="18" charset="0"/>
+                <a:ea typeface="Verdana" panose="020B0604030504040204" pitchFamily="34" charset="0"/>
+                <a:cs typeface="Times New Roman" panose="02020603050405020304" pitchFamily="18" charset="0"/>
+              </a:rPr>
+              <a:t>Compartamos Banco </a:t>
+            </a:r>
+            <a:r>
+              <a:rPr lang="es-MX" dirty="0">
+                <a:solidFill>
+                  <a:schemeClr val="tx1">
+                    <a:lumMod val="65000"/>
+                    <a:lumOff val="35000"/>
+                  </a:schemeClr>
+                </a:solidFill>
+                <a:latin typeface="Times New Roman" panose="02020603050405020304" pitchFamily="18" charset="0"/>
+                <a:ea typeface="Verdana" panose="020B0604030504040204" pitchFamily="34" charset="0"/>
+                <a:cs typeface="Times New Roman" panose="02020603050405020304" pitchFamily="18" charset="0"/>
+              </a:rPr>
+              <a:t>al cierre de Mayo por estados y en cuantos municipios tienen presencia?</a:t>
+            </a:r>
+          </a:p>
+          <a:p>
+            <a:pPr algn="ctr"/>
+            <a:endParaRPr lang="es-MX" b="1" dirty="0"/>
+          </a:p>
+        </p:txBody>
+      </p:sp>
+      <p:pic>
+        <p:nvPicPr>
+          <p:cNvPr id="8" name="image102.png">
+            <a:extLst>
+              <a:ext uri="{FF2B5EF4-FFF2-40B4-BE49-F238E27FC236}">
+                <a16:creationId xmlns:a16="http://schemas.microsoft.com/office/drawing/2014/main" id="{A3543B15-680D-4982-AD07-1AFF5D281220}"/>
+              </a:ext>
+            </a:extLst>
+          </p:cNvPr>
+          <p:cNvPicPr/>
+          <p:nvPr/>
+        </p:nvPicPr>
+        <p:blipFill rotWithShape="1">
+          <a:blip r:embed="rId2" cstate="print">
+            <a:extLst>
+              <a:ext uri="{28A0092B-C50C-407E-A947-70E740481C1C}">
+                <a14:useLocalDpi xmlns:a14="http://schemas.microsoft.com/office/drawing/2010/main"/>
+              </a:ext>
+            </a:extLst>
+          </a:blip>
+          <a:srcRect l="2131" r="2823" b="4816"/>
+          <a:stretch/>
+        </p:blipFill>
+        <p:spPr>
+          <a:xfrm>
+            <a:off x="529056" y="2973718"/>
+            <a:ext cx="5182631" cy="2754175"/>
+          </a:xfrm>
+          <a:prstGeom prst="rect">
+            <a:avLst/>
+          </a:prstGeom>
+          <a:ln/>
+        </p:spPr>
+      </p:pic>
+      <p:sp>
+        <p:nvSpPr>
+          <p:cNvPr id="2" name="CuadroTexto 1">
+            <a:extLst>
+              <a:ext uri="{FF2B5EF4-FFF2-40B4-BE49-F238E27FC236}">
+                <a16:creationId xmlns:a16="http://schemas.microsoft.com/office/drawing/2014/main" id="{0B692E80-7670-44E7-A036-EEDCC033F94E}"/>
+              </a:ext>
+            </a:extLst>
+          </p:cNvPr>
+          <p:cNvSpPr txBox="1"/>
+          <p:nvPr/>
+        </p:nvSpPr>
+        <p:spPr>
+          <a:xfrm>
+            <a:off x="6503435" y="1614576"/>
+            <a:ext cx="5060271" cy="923330"/>
+          </a:xfrm>
+          <a:prstGeom prst="rect">
+            <a:avLst/>
+          </a:prstGeom>
+          <a:noFill/>
+        </p:spPr>
+        <p:txBody>
+          <a:bodyPr wrap="square" rtlCol="0">
+            <a:spAutoFit/>
+          </a:bodyPr>
+          <a:lstStyle/>
+          <a:p>
+            <a:pPr algn="ctr"/>
+            <a:r>
+              <a:rPr lang="es-MX" dirty="0">
+                <a:solidFill>
+                  <a:schemeClr val="tx1">
+                    <a:lumMod val="65000"/>
+                    <a:lumOff val="35000"/>
+                  </a:schemeClr>
+                </a:solidFill>
+                <a:latin typeface="Times New Roman" panose="02020603050405020304" pitchFamily="18" charset="0"/>
+                <a:ea typeface="Verdana" panose="020B0604030504040204" pitchFamily="34" charset="0"/>
+                <a:cs typeface="Times New Roman" panose="02020603050405020304" pitchFamily="18" charset="0"/>
+              </a:rPr>
+              <a:t>¿Cuál es el </a:t>
+            </a:r>
+            <a:r>
+              <a:rPr lang="es-MX" b="1" dirty="0">
+                <a:solidFill>
+                  <a:schemeClr val="tx1">
+                    <a:lumMod val="65000"/>
+                    <a:lumOff val="35000"/>
+                  </a:schemeClr>
+                </a:solidFill>
+                <a:latin typeface="Times New Roman" panose="02020603050405020304" pitchFamily="18" charset="0"/>
+                <a:ea typeface="Verdana" panose="020B0604030504040204" pitchFamily="34" charset="0"/>
+                <a:cs typeface="Times New Roman" panose="02020603050405020304" pitchFamily="18" charset="0"/>
+              </a:rPr>
+              <a:t>ranking de municipios </a:t>
+            </a:r>
+            <a:r>
+              <a:rPr lang="es-MX" dirty="0">
+                <a:solidFill>
+                  <a:schemeClr val="tx1">
+                    <a:lumMod val="65000"/>
+                    <a:lumOff val="35000"/>
+                  </a:schemeClr>
+                </a:solidFill>
+                <a:latin typeface="Times New Roman" panose="02020603050405020304" pitchFamily="18" charset="0"/>
+                <a:ea typeface="Verdana" panose="020B0604030504040204" pitchFamily="34" charset="0"/>
+                <a:cs typeface="Times New Roman" panose="02020603050405020304" pitchFamily="18" charset="0"/>
+              </a:rPr>
+              <a:t>por </a:t>
+            </a:r>
+            <a:br>
+              <a:rPr lang="es-MX" dirty="0">
+                <a:solidFill>
+                  <a:schemeClr val="tx1">
+                    <a:lumMod val="65000"/>
+                    <a:lumOff val="35000"/>
+                  </a:schemeClr>
+                </a:solidFill>
+                <a:latin typeface="Times New Roman" panose="02020603050405020304" pitchFamily="18" charset="0"/>
+                <a:ea typeface="Verdana" panose="020B0604030504040204" pitchFamily="34" charset="0"/>
+                <a:cs typeface="Times New Roman" panose="02020603050405020304" pitchFamily="18" charset="0"/>
+              </a:rPr>
+            </a:br>
+            <a:r>
+              <a:rPr lang="es-MX" dirty="0">
+                <a:solidFill>
+                  <a:schemeClr val="tx1">
+                    <a:lumMod val="65000"/>
+                    <a:lumOff val="35000"/>
+                  </a:schemeClr>
+                </a:solidFill>
+                <a:latin typeface="Times New Roman" panose="02020603050405020304" pitchFamily="18" charset="0"/>
+                <a:ea typeface="Verdana" panose="020B0604030504040204" pitchFamily="34" charset="0"/>
+                <a:cs typeface="Times New Roman" panose="02020603050405020304" pitchFamily="18" charset="0"/>
+              </a:rPr>
+              <a:t>el saldo promedio de las instituciones </a:t>
+            </a:r>
+            <a:br>
+              <a:rPr lang="es-MX" dirty="0">
+                <a:solidFill>
+                  <a:schemeClr val="tx1">
+                    <a:lumMod val="65000"/>
+                    <a:lumOff val="35000"/>
+                  </a:schemeClr>
+                </a:solidFill>
+                <a:latin typeface="Times New Roman" panose="02020603050405020304" pitchFamily="18" charset="0"/>
+                <a:ea typeface="Verdana" panose="020B0604030504040204" pitchFamily="34" charset="0"/>
+                <a:cs typeface="Times New Roman" panose="02020603050405020304" pitchFamily="18" charset="0"/>
+              </a:rPr>
+            </a:br>
+            <a:r>
+              <a:rPr lang="es-MX" dirty="0">
+                <a:solidFill>
+                  <a:schemeClr val="tx1">
+                    <a:lumMod val="65000"/>
+                    <a:lumOff val="35000"/>
+                  </a:schemeClr>
+                </a:solidFill>
+                <a:latin typeface="Times New Roman" panose="02020603050405020304" pitchFamily="18" charset="0"/>
+                <a:ea typeface="Verdana" panose="020B0604030504040204" pitchFamily="34" charset="0"/>
+                <a:cs typeface="Times New Roman" panose="02020603050405020304" pitchFamily="18" charset="0"/>
+              </a:rPr>
+              <a:t>de plazo fijo en febrero 2020?</a:t>
+            </a:r>
+          </a:p>
+        </p:txBody>
+      </p:sp>
+      <p:pic>
+        <p:nvPicPr>
+          <p:cNvPr id="15" name="image38.png">
+            <a:extLst>
+              <a:ext uri="{FF2B5EF4-FFF2-40B4-BE49-F238E27FC236}">
+                <a16:creationId xmlns:a16="http://schemas.microsoft.com/office/drawing/2014/main" id="{EE5AC24A-12BE-4C91-A06B-829150590F17}"/>
+              </a:ext>
+            </a:extLst>
+          </p:cNvPr>
+          <p:cNvPicPr/>
+          <p:nvPr/>
+        </p:nvPicPr>
+        <p:blipFill rotWithShape="1">
+          <a:blip r:embed="rId3" cstate="print">
+            <a:extLst>
+              <a:ext uri="{28A0092B-C50C-407E-A947-70E740481C1C}">
+                <a14:useLocalDpi xmlns:a14="http://schemas.microsoft.com/office/drawing/2010/main"/>
+              </a:ext>
+            </a:extLst>
+          </a:blip>
+          <a:srcRect l="1065" t="429" r="3805" b="2638"/>
+          <a:stretch/>
+        </p:blipFill>
+        <p:spPr>
+          <a:xfrm>
+            <a:off x="6352220" y="2955235"/>
+            <a:ext cx="5362702" cy="2867515"/>
+          </a:xfrm>
+          <a:prstGeom prst="rect">
+            <a:avLst/>
+          </a:prstGeom>
+          <a:ln/>
+        </p:spPr>
+      </p:pic>
+      <p:sp>
+        <p:nvSpPr>
+          <p:cNvPr id="10" name="Rectángulo 9">
+            <a:extLst>
+              <a:ext uri="{FF2B5EF4-FFF2-40B4-BE49-F238E27FC236}">
+                <a16:creationId xmlns:a16="http://schemas.microsoft.com/office/drawing/2014/main" id="{8EF42ABA-3F1E-6043-9140-2A55F6646FC0}"/>
+              </a:ext>
+            </a:extLst>
+          </p:cNvPr>
+          <p:cNvSpPr/>
+          <p:nvPr/>
+        </p:nvSpPr>
+        <p:spPr>
+          <a:xfrm>
+            <a:off x="0" y="-13252"/>
+            <a:ext cx="12192000" cy="384313"/>
+          </a:xfrm>
+          <a:prstGeom prst="rect">
+            <a:avLst/>
+          </a:prstGeom>
+          <a:solidFill>
+            <a:schemeClr val="tx2">
+              <a:lumMod val="40000"/>
+              <a:lumOff val="60000"/>
+            </a:schemeClr>
+          </a:solidFill>
+          <a:ln>
+            <a:noFill/>
+          </a:ln>
+        </p:spPr>
+        <p:style>
+          <a:lnRef idx="2">
+            <a:schemeClr val="accent1">
+              <a:shade val="50000"/>
+            </a:schemeClr>
+          </a:lnRef>
+          <a:fillRef idx="1">
+            <a:schemeClr val="accent1"/>
+          </a:fillRef>
+          <a:effectRef idx="0">
+            <a:schemeClr val="accent1"/>
+          </a:effectRef>
+          <a:fontRef idx="minor">
+            <a:schemeClr val="lt1"/>
+          </a:fontRef>
+        </p:style>
+        <p:txBody>
+          <a:bodyPr rtlCol="0" anchor="ctr"/>
+          <a:lstStyle/>
+          <a:p>
+            <a:pPr algn="ctr"/>
             <a:endParaRPr lang="es-MX">
               <a:solidFill>
                 <a:srgbClr val="002060"/>
@@ -4414,182 +6085,139 @@
       </p:sp>
       <p:sp>
         <p:nvSpPr>
-          <p:cNvPr id="9" name="CuadroTexto 8">
-            <a:extLst>
-              <a:ext uri="{FF2B5EF4-FFF2-40B4-BE49-F238E27FC236}">
-                <a16:creationId xmlns:a16="http://schemas.microsoft.com/office/drawing/2014/main" id="{C74356EE-0A48-4F4F-8C46-BEA88804A41C}"/>
-              </a:ext>
-            </a:extLst>
-          </p:cNvPr>
-          <p:cNvSpPr txBox="1"/>
+          <p:cNvPr id="11" name="Rectángulo 10">
+            <a:extLst>
+              <a:ext uri="{FF2B5EF4-FFF2-40B4-BE49-F238E27FC236}">
+                <a16:creationId xmlns:a16="http://schemas.microsoft.com/office/drawing/2014/main" id="{71C0AF9A-37E2-2347-9437-EF987E68948F}"/>
+              </a:ext>
+            </a:extLst>
+          </p:cNvPr>
+          <p:cNvSpPr/>
           <p:nvPr/>
         </p:nvSpPr>
         <p:spPr>
           <a:xfrm>
-            <a:off x="133165" y="169883"/>
-            <a:ext cx="6489577" cy="369332"/>
+            <a:off x="0" y="6480313"/>
+            <a:ext cx="12192000" cy="384313"/>
           </a:xfrm>
           <a:prstGeom prst="rect">
             <a:avLst/>
           </a:prstGeom>
-          <a:noFill/>
-        </p:spPr>
-        <p:txBody>
-          <a:bodyPr wrap="square" rtlCol="0">
-            <a:spAutoFit/>
-          </a:bodyPr>
-          <a:lstStyle/>
-          <a:p>
-            <a:r>
-              <a:rPr lang="es-MX" b="1" dirty="0">
-                <a:solidFill>
-                  <a:schemeClr val="bg1"/>
-                </a:solidFill>
-                <a:latin typeface="Verdana" panose="020B0604030504040204" pitchFamily="34" charset="0"/>
-                <a:ea typeface="Verdana" panose="020B0604030504040204" pitchFamily="34" charset="0"/>
-              </a:rPr>
-              <a:t>Preguntas atendidas con Mongo</a:t>
-            </a:r>
-          </a:p>
-        </p:txBody>
-      </p:sp>
-      <p:sp>
-        <p:nvSpPr>
-          <p:cNvPr id="3" name="CuadroTexto 2">
-            <a:extLst>
-              <a:ext uri="{FF2B5EF4-FFF2-40B4-BE49-F238E27FC236}">
-                <a16:creationId xmlns:a16="http://schemas.microsoft.com/office/drawing/2014/main" id="{4A77FA4B-4A2E-42E2-8E10-2196D458F211}"/>
-              </a:ext>
-            </a:extLst>
-          </p:cNvPr>
-          <p:cNvSpPr txBox="1"/>
+          <a:solidFill>
+            <a:schemeClr val="tx2">
+              <a:lumMod val="40000"/>
+              <a:lumOff val="60000"/>
+            </a:schemeClr>
+          </a:solidFill>
+          <a:ln>
+            <a:noFill/>
+          </a:ln>
+        </p:spPr>
+        <p:style>
+          <a:lnRef idx="2">
+            <a:schemeClr val="accent1">
+              <a:shade val="50000"/>
+            </a:schemeClr>
+          </a:lnRef>
+          <a:fillRef idx="1">
+            <a:schemeClr val="accent1"/>
+          </a:fillRef>
+          <a:effectRef idx="0">
+            <a:schemeClr val="accent1"/>
+          </a:effectRef>
+          <a:fontRef idx="minor">
+            <a:schemeClr val="lt1"/>
+          </a:fontRef>
+        </p:style>
+        <p:txBody>
+          <a:bodyPr rtlCol="0" anchor="ctr"/>
+          <a:lstStyle/>
+          <a:p>
+            <a:pPr algn="ctr"/>
+            <a:endParaRPr lang="es-MX">
+              <a:solidFill>
+                <a:srgbClr val="002060"/>
+              </a:solidFill>
+            </a:endParaRPr>
+          </a:p>
+        </p:txBody>
+      </p:sp>
+      <p:cxnSp>
+        <p:nvCxnSpPr>
+          <p:cNvPr id="14" name="Conector recto 13">
+            <a:extLst>
+              <a:ext uri="{FF2B5EF4-FFF2-40B4-BE49-F238E27FC236}">
+                <a16:creationId xmlns:a16="http://schemas.microsoft.com/office/drawing/2014/main" id="{55507BEF-E7A2-4846-9512-2ED768C1ED7E}"/>
+              </a:ext>
+            </a:extLst>
+          </p:cNvPr>
+          <p:cNvCxnSpPr>
+            <a:cxnSpLocks/>
+          </p:cNvCxnSpPr>
           <p:nvPr/>
-        </p:nvSpPr>
-        <p:spPr>
-          <a:xfrm>
-            <a:off x="213064" y="1362386"/>
-            <a:ext cx="5060271" cy="1200329"/>
-          </a:xfrm>
-          <a:prstGeom prst="rect">
+        </p:nvCxnSpPr>
+        <p:spPr>
+          <a:xfrm>
+            <a:off x="362238" y="2652499"/>
+            <a:ext cx="5540323" cy="0"/>
+          </a:xfrm>
+          <a:prstGeom prst="line">
             <a:avLst/>
           </a:prstGeom>
-          <a:noFill/>
-        </p:spPr>
-        <p:txBody>
-          <a:bodyPr wrap="square" rtlCol="0">
-            <a:spAutoFit/>
-          </a:bodyPr>
-          <a:lstStyle/>
-          <a:p>
-            <a:pPr algn="just"/>
-            <a:r>
-              <a:rPr lang="es-MX" dirty="0"/>
-              <a:t>¿Cuál es el total de cuentas transaccionales que hay de Compartamos Banco al cierre de Mayo por estados y en cuentos municipios tienen presencia?</a:t>
-            </a:r>
-          </a:p>
-          <a:p>
-            <a:pPr algn="just"/>
-            <a:endParaRPr lang="es-MX" b="1" dirty="0"/>
-          </a:p>
-        </p:txBody>
-      </p:sp>
-      <p:pic>
-        <p:nvPicPr>
-          <p:cNvPr id="8" name="image102.png">
-            <a:extLst>
-              <a:ext uri="{FF2B5EF4-FFF2-40B4-BE49-F238E27FC236}">
-                <a16:creationId xmlns:a16="http://schemas.microsoft.com/office/drawing/2014/main" id="{A3543B15-680D-4982-AD07-1AFF5D281220}"/>
-              </a:ext>
-            </a:extLst>
-          </p:cNvPr>
-          <p:cNvPicPr/>
+        </p:spPr>
+        <p:style>
+          <a:lnRef idx="1">
+            <a:schemeClr val="accent1"/>
+          </a:lnRef>
+          <a:fillRef idx="0">
+            <a:schemeClr val="accent1"/>
+          </a:fillRef>
+          <a:effectRef idx="0">
+            <a:schemeClr val="accent1"/>
+          </a:effectRef>
+          <a:fontRef idx="minor">
+            <a:schemeClr val="tx1"/>
+          </a:fontRef>
+        </p:style>
+      </p:cxnSp>
+      <p:cxnSp>
+        <p:nvCxnSpPr>
+          <p:cNvPr id="16" name="Conector recto 15">
+            <a:extLst>
+              <a:ext uri="{FF2B5EF4-FFF2-40B4-BE49-F238E27FC236}">
+                <a16:creationId xmlns:a16="http://schemas.microsoft.com/office/drawing/2014/main" id="{0D65D5F0-D986-5C41-881C-AF44F977DAB5}"/>
+              </a:ext>
+            </a:extLst>
+          </p:cNvPr>
+          <p:cNvCxnSpPr>
+            <a:cxnSpLocks/>
+          </p:cNvCxnSpPr>
           <p:nvPr/>
-        </p:nvPicPr>
-        <p:blipFill>
-          <a:blip r:embed="rId2"/>
-          <a:srcRect/>
-          <a:stretch>
-            <a:fillRect/>
-          </a:stretch>
-        </p:blipFill>
-        <p:spPr>
-          <a:xfrm>
-            <a:off x="667306" y="2562715"/>
-            <a:ext cx="4754561" cy="2575696"/>
-          </a:xfrm>
-          <a:prstGeom prst="rect">
+        </p:nvCxnSpPr>
+        <p:spPr>
+          <a:xfrm>
+            <a:off x="6232951" y="2652499"/>
+            <a:ext cx="5540323" cy="0"/>
+          </a:xfrm>
+          <a:prstGeom prst="line">
             <a:avLst/>
           </a:prstGeom>
-          <a:ln/>
-        </p:spPr>
-      </p:pic>
-      <p:sp>
-        <p:nvSpPr>
-          <p:cNvPr id="2" name="CuadroTexto 1">
-            <a:extLst>
-              <a:ext uri="{FF2B5EF4-FFF2-40B4-BE49-F238E27FC236}">
-                <a16:creationId xmlns:a16="http://schemas.microsoft.com/office/drawing/2014/main" id="{0B692E80-7670-44E7-A036-EEDCC033F94E}"/>
-              </a:ext>
-            </a:extLst>
-          </p:cNvPr>
-          <p:cNvSpPr txBox="1"/>
-          <p:nvPr/>
-        </p:nvSpPr>
-        <p:spPr>
-          <a:xfrm>
-            <a:off x="6464423" y="1362386"/>
-            <a:ext cx="5060271" cy="923330"/>
-          </a:xfrm>
-          <a:prstGeom prst="rect">
-            <a:avLst/>
-          </a:prstGeom>
-          <a:noFill/>
-        </p:spPr>
-        <p:txBody>
-          <a:bodyPr wrap="square" rtlCol="0">
-            <a:spAutoFit/>
-          </a:bodyPr>
-          <a:lstStyle/>
-          <a:p>
-            <a:pPr algn="just"/>
-            <a:r>
-              <a:rPr lang="es-MX" dirty="0"/>
-              <a:t>¿Cuál es el ranking de municipios por el saldo promedio de las instituciones de plazo fijo en febrero 2020?</a:t>
-            </a:r>
-            <a:endParaRPr lang="es-MX" b="1" dirty="0"/>
-          </a:p>
-        </p:txBody>
-      </p:sp>
-      <p:pic>
-        <p:nvPicPr>
-          <p:cNvPr id="15" name="image38.png">
-            <a:extLst>
-              <a:ext uri="{FF2B5EF4-FFF2-40B4-BE49-F238E27FC236}">
-                <a16:creationId xmlns:a16="http://schemas.microsoft.com/office/drawing/2014/main" id="{EE5AC24A-12BE-4C91-A06B-829150590F17}"/>
-              </a:ext>
-            </a:extLst>
-          </p:cNvPr>
-          <p:cNvPicPr/>
-          <p:nvPr/>
-        </p:nvPicPr>
-        <p:blipFill>
-          <a:blip r:embed="rId3"/>
-          <a:srcRect/>
-          <a:stretch>
-            <a:fillRect/>
-          </a:stretch>
-        </p:blipFill>
-        <p:spPr>
-          <a:xfrm>
-            <a:off x="6770133" y="2562715"/>
-            <a:ext cx="4754561" cy="2575696"/>
-          </a:xfrm>
-          <a:prstGeom prst="rect">
-            <a:avLst/>
-          </a:prstGeom>
-          <a:ln/>
-        </p:spPr>
-      </p:pic>
+        </p:spPr>
+        <p:style>
+          <a:lnRef idx="1">
+            <a:schemeClr val="accent1"/>
+          </a:lnRef>
+          <a:fillRef idx="0">
+            <a:schemeClr val="accent1"/>
+          </a:fillRef>
+          <a:effectRef idx="0">
+            <a:schemeClr val="accent1"/>
+          </a:effectRef>
+          <a:fontRef idx="minor">
+            <a:schemeClr val="tx1"/>
+          </a:fontRef>
+        </p:style>
+      </p:cxnSp>
     </p:spTree>
     <p:extLst>
       <p:ext uri="{BB962C8B-B14F-4D97-AF65-F5344CB8AC3E}">
@@ -4622,10 +6250,62 @@
       </p:grpSpPr>
       <p:sp>
         <p:nvSpPr>
-          <p:cNvPr id="6" name="Rectángulo 5">
-            <a:extLst>
-              <a:ext uri="{FF2B5EF4-FFF2-40B4-BE49-F238E27FC236}">
-                <a16:creationId xmlns:a16="http://schemas.microsoft.com/office/drawing/2014/main" id="{4C3DDEDF-6DD2-497F-87DA-573E0AD17F5C}"/>
+          <p:cNvPr id="9" name="CuadroTexto 8">
+            <a:extLst>
+              <a:ext uri="{FF2B5EF4-FFF2-40B4-BE49-F238E27FC236}">
+                <a16:creationId xmlns:a16="http://schemas.microsoft.com/office/drawing/2014/main" id="{C74356EE-0A48-4F4F-8C46-BEA88804A41C}"/>
+              </a:ext>
+            </a:extLst>
+          </p:cNvPr>
+          <p:cNvSpPr txBox="1"/>
+          <p:nvPr/>
+        </p:nvSpPr>
+        <p:spPr>
+          <a:xfrm>
+            <a:off x="213064" y="428672"/>
+            <a:ext cx="6489577" cy="584775"/>
+          </a:xfrm>
+          <a:prstGeom prst="rect">
+            <a:avLst/>
+          </a:prstGeom>
+          <a:noFill/>
+        </p:spPr>
+        <p:txBody>
+          <a:bodyPr wrap="square" rtlCol="0">
+            <a:spAutoFit/>
+          </a:bodyPr>
+          <a:lstStyle/>
+          <a:p>
+            <a:r>
+              <a:rPr lang="es-MX" sz="3200" b="1" i="1" dirty="0">
+                <a:solidFill>
+                  <a:schemeClr val="tx1">
+                    <a:lumMod val="65000"/>
+                    <a:lumOff val="35000"/>
+                  </a:schemeClr>
+                </a:solidFill>
+                <a:effectLst>
+                  <a:outerShdw blurRad="50800" dist="38100" dir="2700000" algn="tl" rotWithShape="0">
+                    <a:srgbClr val="ADB9CA">
+                      <a:alpha val="40000"/>
+                    </a:srgbClr>
+                  </a:outerShdw>
+                </a:effectLst>
+                <a:latin typeface="Times New Roman" panose="02020603050405020304" pitchFamily="18" charset="0"/>
+                <a:ea typeface="Verdana" panose="020B0604030504040204" pitchFamily="34" charset="0"/>
+                <a:cs typeface="Times New Roman" panose="02020603050405020304" pitchFamily="18" charset="0"/>
+              </a:rPr>
+              <a:t>Conclusiones</a:t>
+            </a:r>
+          </a:p>
+        </p:txBody>
+      </p:sp>
+      <p:sp>
+        <p:nvSpPr>
+          <p:cNvPr id="5" name="Rectángulo 4">
+            <a:extLst>
+              <a:ext uri="{FF2B5EF4-FFF2-40B4-BE49-F238E27FC236}">
+                <a16:creationId xmlns:a16="http://schemas.microsoft.com/office/drawing/2014/main" id="{8F4D96B3-3BE4-D44A-B0AF-B8F87A73FC63}"/>
               </a:ext>
             </a:extLst>
           </p:cNvPr>
@@ -4634,15 +6314,21 @@
         </p:nvSpPr>
         <p:spPr>
           <a:xfrm>
-            <a:off x="0" y="0"/>
-            <a:ext cx="12192000" cy="870012"/>
+            <a:off x="0" y="-13252"/>
+            <a:ext cx="12192000" cy="384313"/>
           </a:xfrm>
           <a:prstGeom prst="rect">
             <a:avLst/>
           </a:prstGeom>
           <a:solidFill>
-            <a:srgbClr val="002060"/>
+            <a:schemeClr val="tx2">
+              <a:lumMod val="40000"/>
+              <a:lumOff val="60000"/>
+            </a:schemeClr>
           </a:solidFill>
+          <a:ln>
+            <a:noFill/>
+          </a:ln>
         </p:spPr>
         <p:style>
           <a:lnRef idx="2">
@@ -4675,10 +6361,237 @@
       </p:sp>
       <p:sp>
         <p:nvSpPr>
-          <p:cNvPr id="9" name="CuadroTexto 8">
-            <a:extLst>
-              <a:ext uri="{FF2B5EF4-FFF2-40B4-BE49-F238E27FC236}">
-                <a16:creationId xmlns:a16="http://schemas.microsoft.com/office/drawing/2014/main" id="{C74356EE-0A48-4F4F-8C46-BEA88804A41C}"/>
+          <p:cNvPr id="21" name="Rectángulo redondeado 20">
+            <a:extLst>
+              <a:ext uri="{FF2B5EF4-FFF2-40B4-BE49-F238E27FC236}">
+                <a16:creationId xmlns:a16="http://schemas.microsoft.com/office/drawing/2014/main" id="{80D90C39-10C2-ED42-B1CD-A6E55B431218}"/>
+              </a:ext>
+            </a:extLst>
+          </p:cNvPr>
+          <p:cNvSpPr/>
+          <p:nvPr/>
+        </p:nvSpPr>
+        <p:spPr>
+          <a:xfrm>
+            <a:off x="332332" y="1889709"/>
+            <a:ext cx="3730340" cy="4161182"/>
+          </a:xfrm>
+          <a:prstGeom prst="roundRect">
+            <a:avLst>
+              <a:gd name="adj" fmla="val 9948"/>
+            </a:avLst>
+          </a:prstGeom>
+          <a:solidFill>
+            <a:srgbClr val="FFFFFF">
+              <a:alpha val="34902"/>
+            </a:srgbClr>
+          </a:solidFill>
+          <a:ln>
+            <a:prstDash val="sysDash"/>
+          </a:ln>
+        </p:spPr>
+        <p:style>
+          <a:lnRef idx="2">
+            <a:schemeClr val="accent1">
+              <a:shade val="50000"/>
+            </a:schemeClr>
+          </a:lnRef>
+          <a:fillRef idx="1">
+            <a:schemeClr val="accent1"/>
+          </a:fillRef>
+          <a:effectRef idx="0">
+            <a:schemeClr val="accent1"/>
+          </a:effectRef>
+          <a:fontRef idx="minor">
+            <a:schemeClr val="lt1"/>
+          </a:fontRef>
+        </p:style>
+        <p:txBody>
+          <a:bodyPr rtlCol="0" anchor="ctr"/>
+          <a:lstStyle/>
+          <a:p>
+            <a:pPr algn="ctr"/>
+            <a:endParaRPr lang="es-MX"/>
+          </a:p>
+        </p:txBody>
+      </p:sp>
+      <p:sp>
+        <p:nvSpPr>
+          <p:cNvPr id="22" name="Rectángulo redondeado 21">
+            <a:extLst>
+              <a:ext uri="{FF2B5EF4-FFF2-40B4-BE49-F238E27FC236}">
+                <a16:creationId xmlns:a16="http://schemas.microsoft.com/office/drawing/2014/main" id="{10752E32-9209-8F47-B281-0E3FDE4A33FC}"/>
+              </a:ext>
+            </a:extLst>
+          </p:cNvPr>
+          <p:cNvSpPr/>
+          <p:nvPr/>
+        </p:nvSpPr>
+        <p:spPr>
+          <a:xfrm>
+            <a:off x="4230828" y="1889709"/>
+            <a:ext cx="3730340" cy="4161182"/>
+          </a:xfrm>
+          <a:prstGeom prst="roundRect">
+            <a:avLst>
+              <a:gd name="adj" fmla="val 9948"/>
+            </a:avLst>
+          </a:prstGeom>
+          <a:solidFill>
+            <a:srgbClr val="FFFFFF">
+              <a:alpha val="34902"/>
+            </a:srgbClr>
+          </a:solidFill>
+          <a:ln>
+            <a:prstDash val="sysDash"/>
+          </a:ln>
+        </p:spPr>
+        <p:style>
+          <a:lnRef idx="2">
+            <a:schemeClr val="accent1">
+              <a:shade val="50000"/>
+            </a:schemeClr>
+          </a:lnRef>
+          <a:fillRef idx="1">
+            <a:schemeClr val="accent1"/>
+          </a:fillRef>
+          <a:effectRef idx="0">
+            <a:schemeClr val="accent1"/>
+          </a:effectRef>
+          <a:fontRef idx="minor">
+            <a:schemeClr val="lt1"/>
+          </a:fontRef>
+        </p:style>
+        <p:txBody>
+          <a:bodyPr rtlCol="0" anchor="ctr"/>
+          <a:lstStyle/>
+          <a:p>
+            <a:pPr algn="ctr"/>
+            <a:endParaRPr lang="es-MX"/>
+          </a:p>
+        </p:txBody>
+      </p:sp>
+      <p:sp>
+        <p:nvSpPr>
+          <p:cNvPr id="23" name="Rectángulo redondeado 22">
+            <a:extLst>
+              <a:ext uri="{FF2B5EF4-FFF2-40B4-BE49-F238E27FC236}">
+                <a16:creationId xmlns:a16="http://schemas.microsoft.com/office/drawing/2014/main" id="{4595F126-AD16-5B46-89AD-95D40919F7AB}"/>
+              </a:ext>
+            </a:extLst>
+          </p:cNvPr>
+          <p:cNvSpPr/>
+          <p:nvPr/>
+        </p:nvSpPr>
+        <p:spPr>
+          <a:xfrm>
+            <a:off x="8137861" y="1889709"/>
+            <a:ext cx="3730340" cy="4161182"/>
+          </a:xfrm>
+          <a:prstGeom prst="roundRect">
+            <a:avLst>
+              <a:gd name="adj" fmla="val 9948"/>
+            </a:avLst>
+          </a:prstGeom>
+          <a:solidFill>
+            <a:srgbClr val="FFFFFF">
+              <a:alpha val="34902"/>
+            </a:srgbClr>
+          </a:solidFill>
+          <a:ln>
+            <a:prstDash val="sysDash"/>
+          </a:ln>
+        </p:spPr>
+        <p:style>
+          <a:lnRef idx="2">
+            <a:schemeClr val="accent1">
+              <a:shade val="50000"/>
+            </a:schemeClr>
+          </a:lnRef>
+          <a:fillRef idx="1">
+            <a:schemeClr val="accent1"/>
+          </a:fillRef>
+          <a:effectRef idx="0">
+            <a:schemeClr val="accent1"/>
+          </a:effectRef>
+          <a:fontRef idx="minor">
+            <a:schemeClr val="lt1"/>
+          </a:fontRef>
+        </p:style>
+        <p:txBody>
+          <a:bodyPr rtlCol="0" anchor="ctr"/>
+          <a:lstStyle/>
+          <a:p>
+            <a:pPr algn="ctr"/>
+            <a:endParaRPr lang="es-MX"/>
+          </a:p>
+        </p:txBody>
+      </p:sp>
+      <p:sp>
+        <p:nvSpPr>
+          <p:cNvPr id="7" name="Rectángulo 6">
+            <a:extLst>
+              <a:ext uri="{FF2B5EF4-FFF2-40B4-BE49-F238E27FC236}">
+                <a16:creationId xmlns:a16="http://schemas.microsoft.com/office/drawing/2014/main" id="{C5F396D1-F919-8040-BE93-7B8651554DE0}"/>
+              </a:ext>
+            </a:extLst>
+          </p:cNvPr>
+          <p:cNvSpPr/>
+          <p:nvPr/>
+        </p:nvSpPr>
+        <p:spPr>
+          <a:xfrm>
+            <a:off x="0" y="6480313"/>
+            <a:ext cx="12192000" cy="384313"/>
+          </a:xfrm>
+          <a:prstGeom prst="rect">
+            <a:avLst/>
+          </a:prstGeom>
+          <a:solidFill>
+            <a:schemeClr val="tx2">
+              <a:lumMod val="40000"/>
+              <a:lumOff val="60000"/>
+            </a:schemeClr>
+          </a:solidFill>
+          <a:ln>
+            <a:noFill/>
+          </a:ln>
+        </p:spPr>
+        <p:style>
+          <a:lnRef idx="2">
+            <a:schemeClr val="accent1">
+              <a:shade val="50000"/>
+            </a:schemeClr>
+          </a:lnRef>
+          <a:fillRef idx="1">
+            <a:schemeClr val="accent1"/>
+          </a:fillRef>
+          <a:effectRef idx="0">
+            <a:schemeClr val="accent1"/>
+          </a:effectRef>
+          <a:fontRef idx="minor">
+            <a:schemeClr val="lt1"/>
+          </a:fontRef>
+        </p:style>
+        <p:txBody>
+          <a:bodyPr rtlCol="0" anchor="ctr"/>
+          <a:lstStyle/>
+          <a:p>
+            <a:pPr algn="ctr"/>
+            <a:endParaRPr lang="es-MX">
+              <a:solidFill>
+                <a:srgbClr val="002060"/>
+              </a:solidFill>
+            </a:endParaRPr>
+          </a:p>
+        </p:txBody>
+      </p:sp>
+      <p:sp>
+        <p:nvSpPr>
+          <p:cNvPr id="4" name="CuadroTexto 3">
+            <a:extLst>
+              <a:ext uri="{FF2B5EF4-FFF2-40B4-BE49-F238E27FC236}">
+                <a16:creationId xmlns:a16="http://schemas.microsoft.com/office/drawing/2014/main" id="{22DA4B7B-BD7F-4A6B-958D-DA38D399350A}"/>
               </a:ext>
             </a:extLst>
           </p:cNvPr>
@@ -4687,8 +6600,8 @@
         </p:nvSpPr>
         <p:spPr>
           <a:xfrm>
-            <a:off x="133165" y="169883"/>
-            <a:ext cx="6489577" cy="369332"/>
+            <a:off x="450959" y="2539139"/>
+            <a:ext cx="3550553" cy="2339102"/>
           </a:xfrm>
           <a:prstGeom prst="rect">
             <a:avLst/>
@@ -4696,30 +6609,188 @@
           <a:noFill/>
         </p:spPr>
         <p:txBody>
-          <a:bodyPr wrap="square" rtlCol="0">
+          <a:bodyPr wrap="square" rtlCol="0" anchor="t">
             <a:spAutoFit/>
           </a:bodyPr>
           <a:lstStyle/>
           <a:p>
-            <a:r>
-              <a:rPr lang="es-MX" b="1" dirty="0">
-                <a:solidFill>
-                  <a:schemeClr val="bg1"/>
-                </a:solidFill>
-                <a:latin typeface="Verdana" panose="020B0604030504040204" pitchFamily="34" charset="0"/>
-                <a:ea typeface="Verdana" panose="020B0604030504040204" pitchFamily="34" charset="0"/>
-              </a:rPr>
-              <a:t>Conclusiones</a:t>
-            </a:r>
-          </a:p>
-        </p:txBody>
-      </p:sp>
-      <p:sp>
-        <p:nvSpPr>
-          <p:cNvPr id="4" name="CuadroTexto 3">
-            <a:extLst>
-              <a:ext uri="{FF2B5EF4-FFF2-40B4-BE49-F238E27FC236}">
-                <a16:creationId xmlns:a16="http://schemas.microsoft.com/office/drawing/2014/main" id="{22DA4B7B-BD7F-4A6B-958D-DA38D399350A}"/>
+            <a:pPr lvl="0" algn="ctr"/>
+            <a:r>
+              <a:rPr lang="es-MX" sz="1600" b="1" dirty="0">
+                <a:solidFill>
+                  <a:schemeClr val="tx1">
+                    <a:lumMod val="65000"/>
+                    <a:lumOff val="35000"/>
+                  </a:schemeClr>
+                </a:solidFill>
+                <a:latin typeface="Times New Roman" panose="02020603050405020304" pitchFamily="18" charset="0"/>
+                <a:ea typeface="Verdana" panose="020B0604030504040204" pitchFamily="34" charset="0"/>
+                <a:cs typeface="Times New Roman" panose="02020603050405020304" pitchFamily="18" charset="0"/>
+              </a:rPr>
+              <a:t>SQL workbench </a:t>
+            </a:r>
+            <a:r>
+              <a:rPr lang="es-MX" sz="1600" dirty="0">
+                <a:solidFill>
+                  <a:schemeClr val="tx1">
+                    <a:lumMod val="65000"/>
+                    <a:lumOff val="35000"/>
+                  </a:schemeClr>
+                </a:solidFill>
+                <a:latin typeface="Times New Roman" panose="02020603050405020304" pitchFamily="18" charset="0"/>
+                <a:ea typeface="Verdana" panose="020B0604030504040204" pitchFamily="34" charset="0"/>
+                <a:cs typeface="Times New Roman" panose="02020603050405020304" pitchFamily="18" charset="0"/>
+              </a:rPr>
+              <a:t>se vuelve lenta </a:t>
+            </a:r>
+            <a:br>
+              <a:rPr lang="es-MX" sz="1600" dirty="0">
+                <a:solidFill>
+                  <a:schemeClr val="tx1">
+                    <a:lumMod val="65000"/>
+                    <a:lumOff val="35000"/>
+                  </a:schemeClr>
+                </a:solidFill>
+                <a:latin typeface="Times New Roman" panose="02020603050405020304" pitchFamily="18" charset="0"/>
+                <a:ea typeface="Verdana" panose="020B0604030504040204" pitchFamily="34" charset="0"/>
+                <a:cs typeface="Times New Roman" panose="02020603050405020304" pitchFamily="18" charset="0"/>
+              </a:rPr>
+            </a:br>
+            <a:r>
+              <a:rPr lang="es-MX" sz="1600" dirty="0">
+                <a:solidFill>
+                  <a:schemeClr val="tx1">
+                    <a:lumMod val="65000"/>
+                    <a:lumOff val="35000"/>
+                  </a:schemeClr>
+                </a:solidFill>
+                <a:latin typeface="Times New Roman" panose="02020603050405020304" pitchFamily="18" charset="0"/>
+                <a:ea typeface="Verdana" panose="020B0604030504040204" pitchFamily="34" charset="0"/>
+                <a:cs typeface="Times New Roman" panose="02020603050405020304" pitchFamily="18" charset="0"/>
+              </a:rPr>
+              <a:t>en la carga de información, </a:t>
+            </a:r>
+            <a:br>
+              <a:rPr lang="es-MX" sz="1600" dirty="0">
+                <a:solidFill>
+                  <a:schemeClr val="tx1">
+                    <a:lumMod val="65000"/>
+                    <a:lumOff val="35000"/>
+                  </a:schemeClr>
+                </a:solidFill>
+                <a:latin typeface="Times New Roman" panose="02020603050405020304" pitchFamily="18" charset="0"/>
+                <a:ea typeface="Verdana" panose="020B0604030504040204" pitchFamily="34" charset="0"/>
+                <a:cs typeface="Times New Roman" panose="02020603050405020304" pitchFamily="18" charset="0"/>
+              </a:rPr>
+            </a:br>
+            <a:r>
+              <a:rPr lang="es-MX" sz="1600" dirty="0">
+                <a:solidFill>
+                  <a:schemeClr val="tx1">
+                    <a:lumMod val="65000"/>
+                    <a:lumOff val="35000"/>
+                  </a:schemeClr>
+                </a:solidFill>
+                <a:latin typeface="Times New Roman" panose="02020603050405020304" pitchFamily="18" charset="0"/>
+                <a:ea typeface="Verdana" panose="020B0604030504040204" pitchFamily="34" charset="0"/>
+                <a:cs typeface="Times New Roman" panose="02020603050405020304" pitchFamily="18" charset="0"/>
+              </a:rPr>
+              <a:t>además de que se tiene que hacer </a:t>
+            </a:r>
+            <a:br>
+              <a:rPr lang="es-MX" sz="1600" dirty="0">
+                <a:solidFill>
+                  <a:schemeClr val="tx1">
+                    <a:lumMod val="65000"/>
+                    <a:lumOff val="35000"/>
+                  </a:schemeClr>
+                </a:solidFill>
+                <a:latin typeface="Times New Roman" panose="02020603050405020304" pitchFamily="18" charset="0"/>
+                <a:ea typeface="Verdana" panose="020B0604030504040204" pitchFamily="34" charset="0"/>
+                <a:cs typeface="Times New Roman" panose="02020603050405020304" pitchFamily="18" charset="0"/>
+              </a:rPr>
+            </a:br>
+            <a:r>
+              <a:rPr lang="es-MX" sz="1600" dirty="0">
+                <a:solidFill>
+                  <a:schemeClr val="tx1">
+                    <a:lumMod val="65000"/>
+                    <a:lumOff val="35000"/>
+                  </a:schemeClr>
+                </a:solidFill>
+                <a:latin typeface="Times New Roman" panose="02020603050405020304" pitchFamily="18" charset="0"/>
+                <a:ea typeface="Verdana" panose="020B0604030504040204" pitchFamily="34" charset="0"/>
+                <a:cs typeface="Times New Roman" panose="02020603050405020304" pitchFamily="18" charset="0"/>
+              </a:rPr>
+              <a:t>las relaciones entre tablas </a:t>
+            </a:r>
+            <a:br>
+              <a:rPr lang="es-MX" sz="1600" dirty="0">
+                <a:solidFill>
+                  <a:schemeClr val="tx1">
+                    <a:lumMod val="65000"/>
+                    <a:lumOff val="35000"/>
+                  </a:schemeClr>
+                </a:solidFill>
+                <a:latin typeface="Times New Roman" panose="02020603050405020304" pitchFamily="18" charset="0"/>
+                <a:ea typeface="Verdana" panose="020B0604030504040204" pitchFamily="34" charset="0"/>
+                <a:cs typeface="Times New Roman" panose="02020603050405020304" pitchFamily="18" charset="0"/>
+              </a:rPr>
+            </a:br>
+            <a:r>
+              <a:rPr lang="es-MX" sz="1600" dirty="0">
+                <a:solidFill>
+                  <a:schemeClr val="tx1">
+                    <a:lumMod val="65000"/>
+                    <a:lumOff val="35000"/>
+                  </a:schemeClr>
+                </a:solidFill>
+                <a:latin typeface="Times New Roman" panose="02020603050405020304" pitchFamily="18" charset="0"/>
+                <a:ea typeface="Verdana" panose="020B0604030504040204" pitchFamily="34" charset="0"/>
+                <a:cs typeface="Times New Roman" panose="02020603050405020304" pitchFamily="18" charset="0"/>
+              </a:rPr>
+              <a:t>y definir las llaves foráneas, </a:t>
+            </a:r>
+            <a:br>
+              <a:rPr lang="es-MX" sz="1600" dirty="0">
+                <a:solidFill>
+                  <a:schemeClr val="tx1">
+                    <a:lumMod val="65000"/>
+                    <a:lumOff val="35000"/>
+                  </a:schemeClr>
+                </a:solidFill>
+                <a:latin typeface="Times New Roman" panose="02020603050405020304" pitchFamily="18" charset="0"/>
+                <a:ea typeface="Verdana" panose="020B0604030504040204" pitchFamily="34" charset="0"/>
+                <a:cs typeface="Times New Roman" panose="02020603050405020304" pitchFamily="18" charset="0"/>
+              </a:rPr>
+            </a:br>
+            <a:r>
+              <a:rPr lang="es-MX" sz="1600" dirty="0">
+                <a:solidFill>
+                  <a:schemeClr val="tx1">
+                    <a:lumMod val="65000"/>
+                    <a:lumOff val="35000"/>
+                  </a:schemeClr>
+                </a:solidFill>
+                <a:latin typeface="Times New Roman" panose="02020603050405020304" pitchFamily="18" charset="0"/>
+                <a:ea typeface="Verdana" panose="020B0604030504040204" pitchFamily="34" charset="0"/>
+                <a:cs typeface="Times New Roman" panose="02020603050405020304" pitchFamily="18" charset="0"/>
+              </a:rPr>
+              <a:t>pero una vez terminado este proceso, es muy fácil el hacer consultas que tengan varias relaciones</a:t>
+            </a:r>
+          </a:p>
+          <a:p>
+            <a:pPr algn="ctr"/>
+            <a:endParaRPr lang="es-MX" sz="1600" b="1" dirty="0"/>
+          </a:p>
+        </p:txBody>
+      </p:sp>
+      <p:sp>
+        <p:nvSpPr>
+          <p:cNvPr id="10" name="CuadroTexto 9">
+            <a:extLst>
+              <a:ext uri="{FF2B5EF4-FFF2-40B4-BE49-F238E27FC236}">
+                <a16:creationId xmlns:a16="http://schemas.microsoft.com/office/drawing/2014/main" id="{F5D3C74E-5D23-B148-9964-95E4F5BF8CDE}"/>
               </a:ext>
             </a:extLst>
           </p:cNvPr>
@@ -4728,8 +6799,8 @@
         </p:nvSpPr>
         <p:spPr>
           <a:xfrm>
-            <a:off x="213064" y="1362386"/>
-            <a:ext cx="11628416" cy="3693319"/>
+            <a:off x="3929268" y="2539911"/>
+            <a:ext cx="4333461" cy="2973122"/>
           </a:xfrm>
           <a:prstGeom prst="rect">
             <a:avLst/>
@@ -4737,71 +6808,682 @@
           <a:noFill/>
         </p:spPr>
         <p:txBody>
-          <a:bodyPr wrap="square" rtlCol="0">
+          <a:bodyPr wrap="square" rtlCol="0" anchor="t">
             <a:spAutoFit/>
           </a:bodyPr>
           <a:lstStyle/>
           <a:p>
-            <a:endParaRPr lang="es-MX" dirty="0"/>
-          </a:p>
-          <a:p>
-            <a:pPr marL="285750" lvl="0" indent="-285750">
-              <a:buFont typeface="Arial" panose="020B0604020202020204" pitchFamily="34" charset="0"/>
-              <a:buChar char="•"/>
+            <a:pPr lvl="0" algn="ctr">
+              <a:lnSpc>
+                <a:spcPct val="90000"/>
+              </a:lnSpc>
             </a:pPr>
             <a:r>
-              <a:rPr lang="es-MX" dirty="0"/>
-              <a:t>SQL </a:t>
-            </a:r>
-            <a:r>
-              <a:rPr lang="es-MX" dirty="0" err="1"/>
-              <a:t>workbench</a:t>
-            </a:r>
-            <a:r>
-              <a:rPr lang="es-MX" dirty="0"/>
-              <a:t> se vuelve lenta en la carga de información, además de que se tiene que hacer las relaciones entre tablas y definir las llaves foráneas, pero una vez terminado este proceso, es muy fácil el hacer consultas que tengan varias relaciones</a:t>
-            </a:r>
-          </a:p>
-          <a:p>
-            <a:endParaRPr lang="es-MX" dirty="0"/>
-          </a:p>
-          <a:p>
-            <a:pPr marL="285750" lvl="0" indent="-285750">
-              <a:buFont typeface="Arial" panose="020B0604020202020204" pitchFamily="34" charset="0"/>
-              <a:buChar char="•"/>
-            </a:pPr>
-            <a:r>
-              <a:rPr lang="es-MX" dirty="0"/>
-              <a:t>Mongo es una herramienta que puede funcionar muy bien para la carga de información y si se tiene todos los registros en una sola tabla es muy fácil poder consultar, sin embargo, tener diferentes tablas se vuelve complicado el hacer el </a:t>
-            </a:r>
-            <a:r>
-              <a:rPr lang="es-MX" dirty="0" err="1"/>
-              <a:t>lookup</a:t>
-            </a:r>
-            <a:r>
-              <a:rPr lang="es-MX" dirty="0"/>
-              <a:t> entre ellas, debido a que se generan objetos con arreglos de datos, por lo que se tienen que hacer más procesos para convertir estos en campos de la tabla </a:t>
-            </a:r>
-          </a:p>
-          <a:p>
-            <a:endParaRPr lang="es-MX" dirty="0"/>
-          </a:p>
-          <a:p>
-            <a:pPr marL="285750" lvl="0" indent="-285750">
-              <a:buFont typeface="Arial" panose="020B0604020202020204" pitchFamily="34" charset="0"/>
-              <a:buChar char="•"/>
-            </a:pPr>
-            <a:r>
-              <a:rPr lang="es-MX" dirty="0"/>
+              <a:rPr lang="es-MX" sz="1600" b="1" dirty="0">
+                <a:solidFill>
+                  <a:schemeClr val="tx1">
+                    <a:lumMod val="65000"/>
+                    <a:lumOff val="35000"/>
+                  </a:schemeClr>
+                </a:solidFill>
+                <a:latin typeface="Times New Roman" panose="02020603050405020304" pitchFamily="18" charset="0"/>
+                <a:ea typeface="Verdana" panose="020B0604030504040204" pitchFamily="34" charset="0"/>
+                <a:cs typeface="Times New Roman" panose="02020603050405020304" pitchFamily="18" charset="0"/>
+              </a:rPr>
+              <a:t>Mongo</a:t>
+            </a:r>
+            <a:r>
+              <a:rPr lang="es-MX" sz="1600" dirty="0">
+                <a:solidFill>
+                  <a:schemeClr val="tx1">
+                    <a:lumMod val="65000"/>
+                    <a:lumOff val="35000"/>
+                  </a:schemeClr>
+                </a:solidFill>
+                <a:latin typeface="Times New Roman" panose="02020603050405020304" pitchFamily="18" charset="0"/>
+                <a:ea typeface="Verdana" panose="020B0604030504040204" pitchFamily="34" charset="0"/>
+                <a:cs typeface="Times New Roman" panose="02020603050405020304" pitchFamily="18" charset="0"/>
+              </a:rPr>
+              <a:t> es una herramienta </a:t>
+            </a:r>
+            <a:br>
+              <a:rPr lang="es-MX" sz="1600" dirty="0">
+                <a:solidFill>
+                  <a:schemeClr val="tx1">
+                    <a:lumMod val="65000"/>
+                    <a:lumOff val="35000"/>
+                  </a:schemeClr>
+                </a:solidFill>
+                <a:latin typeface="Times New Roman" panose="02020603050405020304" pitchFamily="18" charset="0"/>
+                <a:ea typeface="Verdana" panose="020B0604030504040204" pitchFamily="34" charset="0"/>
+                <a:cs typeface="Times New Roman" panose="02020603050405020304" pitchFamily="18" charset="0"/>
+              </a:rPr>
+            </a:br>
+            <a:r>
+              <a:rPr lang="es-MX" sz="1600" dirty="0">
+                <a:solidFill>
+                  <a:schemeClr val="tx1">
+                    <a:lumMod val="65000"/>
+                    <a:lumOff val="35000"/>
+                  </a:schemeClr>
+                </a:solidFill>
+                <a:latin typeface="Times New Roman" panose="02020603050405020304" pitchFamily="18" charset="0"/>
+                <a:ea typeface="Verdana" panose="020B0604030504040204" pitchFamily="34" charset="0"/>
+                <a:cs typeface="Times New Roman" panose="02020603050405020304" pitchFamily="18" charset="0"/>
+              </a:rPr>
+              <a:t>que puede funcionar muy bien </a:t>
+            </a:r>
+            <a:br>
+              <a:rPr lang="es-MX" sz="1600" dirty="0">
+                <a:solidFill>
+                  <a:schemeClr val="tx1">
+                    <a:lumMod val="65000"/>
+                    <a:lumOff val="35000"/>
+                  </a:schemeClr>
+                </a:solidFill>
+                <a:latin typeface="Times New Roman" panose="02020603050405020304" pitchFamily="18" charset="0"/>
+                <a:ea typeface="Verdana" panose="020B0604030504040204" pitchFamily="34" charset="0"/>
+                <a:cs typeface="Times New Roman" panose="02020603050405020304" pitchFamily="18" charset="0"/>
+              </a:rPr>
+            </a:br>
+            <a:r>
+              <a:rPr lang="es-MX" sz="1600" dirty="0">
+                <a:solidFill>
+                  <a:schemeClr val="tx1">
+                    <a:lumMod val="65000"/>
+                    <a:lumOff val="35000"/>
+                  </a:schemeClr>
+                </a:solidFill>
+                <a:latin typeface="Times New Roman" panose="02020603050405020304" pitchFamily="18" charset="0"/>
+                <a:ea typeface="Verdana" panose="020B0604030504040204" pitchFamily="34" charset="0"/>
+                <a:cs typeface="Times New Roman" panose="02020603050405020304" pitchFamily="18" charset="0"/>
+              </a:rPr>
+              <a:t>para la carga de información </a:t>
+            </a:r>
+            <a:br>
+              <a:rPr lang="es-MX" sz="1600" dirty="0">
+                <a:solidFill>
+                  <a:schemeClr val="tx1">
+                    <a:lumMod val="65000"/>
+                    <a:lumOff val="35000"/>
+                  </a:schemeClr>
+                </a:solidFill>
+                <a:latin typeface="Times New Roman" panose="02020603050405020304" pitchFamily="18" charset="0"/>
+                <a:ea typeface="Verdana" panose="020B0604030504040204" pitchFamily="34" charset="0"/>
+                <a:cs typeface="Times New Roman" panose="02020603050405020304" pitchFamily="18" charset="0"/>
+              </a:rPr>
+            </a:br>
+            <a:r>
+              <a:rPr lang="es-MX" sz="1600" dirty="0">
+                <a:solidFill>
+                  <a:schemeClr val="tx1">
+                    <a:lumMod val="65000"/>
+                    <a:lumOff val="35000"/>
+                  </a:schemeClr>
+                </a:solidFill>
+                <a:latin typeface="Times New Roman" panose="02020603050405020304" pitchFamily="18" charset="0"/>
+                <a:ea typeface="Verdana" panose="020B0604030504040204" pitchFamily="34" charset="0"/>
+                <a:cs typeface="Times New Roman" panose="02020603050405020304" pitchFamily="18" charset="0"/>
+              </a:rPr>
+              <a:t>y si se tiene todos los registros</a:t>
+            </a:r>
+            <a:br>
+              <a:rPr lang="es-MX" sz="1600" dirty="0">
+                <a:solidFill>
+                  <a:schemeClr val="tx1">
+                    <a:lumMod val="65000"/>
+                    <a:lumOff val="35000"/>
+                  </a:schemeClr>
+                </a:solidFill>
+                <a:latin typeface="Times New Roman" panose="02020603050405020304" pitchFamily="18" charset="0"/>
+                <a:ea typeface="Verdana" panose="020B0604030504040204" pitchFamily="34" charset="0"/>
+                <a:cs typeface="Times New Roman" panose="02020603050405020304" pitchFamily="18" charset="0"/>
+              </a:rPr>
+            </a:br>
+            <a:r>
+              <a:rPr lang="es-MX" sz="1600" dirty="0">
+                <a:solidFill>
+                  <a:schemeClr val="tx1">
+                    <a:lumMod val="65000"/>
+                    <a:lumOff val="35000"/>
+                  </a:schemeClr>
+                </a:solidFill>
+                <a:latin typeface="Times New Roman" panose="02020603050405020304" pitchFamily="18" charset="0"/>
+                <a:ea typeface="Verdana" panose="020B0604030504040204" pitchFamily="34" charset="0"/>
+                <a:cs typeface="Times New Roman" panose="02020603050405020304" pitchFamily="18" charset="0"/>
+              </a:rPr>
+              <a:t>en una sola tabla es muy fácil </a:t>
+            </a:r>
+            <a:br>
+              <a:rPr lang="es-MX" sz="1600" dirty="0">
+                <a:solidFill>
+                  <a:schemeClr val="tx1">
+                    <a:lumMod val="65000"/>
+                    <a:lumOff val="35000"/>
+                  </a:schemeClr>
+                </a:solidFill>
+                <a:latin typeface="Times New Roman" panose="02020603050405020304" pitchFamily="18" charset="0"/>
+                <a:ea typeface="Verdana" panose="020B0604030504040204" pitchFamily="34" charset="0"/>
+                <a:cs typeface="Times New Roman" panose="02020603050405020304" pitchFamily="18" charset="0"/>
+              </a:rPr>
+            </a:br>
+            <a:r>
+              <a:rPr lang="es-MX" sz="1600" dirty="0">
+                <a:solidFill>
+                  <a:schemeClr val="tx1">
+                    <a:lumMod val="65000"/>
+                    <a:lumOff val="35000"/>
+                  </a:schemeClr>
+                </a:solidFill>
+                <a:latin typeface="Times New Roman" panose="02020603050405020304" pitchFamily="18" charset="0"/>
+                <a:ea typeface="Verdana" panose="020B0604030504040204" pitchFamily="34" charset="0"/>
+                <a:cs typeface="Times New Roman" panose="02020603050405020304" pitchFamily="18" charset="0"/>
+              </a:rPr>
+              <a:t>poder consultar, sin embargo, </a:t>
+            </a:r>
+            <a:br>
+              <a:rPr lang="es-MX" sz="1600" dirty="0">
+                <a:solidFill>
+                  <a:schemeClr val="tx1">
+                    <a:lumMod val="65000"/>
+                    <a:lumOff val="35000"/>
+                  </a:schemeClr>
+                </a:solidFill>
+                <a:latin typeface="Times New Roman" panose="02020603050405020304" pitchFamily="18" charset="0"/>
+                <a:ea typeface="Verdana" panose="020B0604030504040204" pitchFamily="34" charset="0"/>
+                <a:cs typeface="Times New Roman" panose="02020603050405020304" pitchFamily="18" charset="0"/>
+              </a:rPr>
+            </a:br>
+            <a:r>
+              <a:rPr lang="es-MX" sz="1600" dirty="0">
+                <a:solidFill>
+                  <a:schemeClr val="tx1">
+                    <a:lumMod val="65000"/>
+                    <a:lumOff val="35000"/>
+                  </a:schemeClr>
+                </a:solidFill>
+                <a:latin typeface="Times New Roman" panose="02020603050405020304" pitchFamily="18" charset="0"/>
+                <a:ea typeface="Verdana" panose="020B0604030504040204" pitchFamily="34" charset="0"/>
+                <a:cs typeface="Times New Roman" panose="02020603050405020304" pitchFamily="18" charset="0"/>
+              </a:rPr>
+              <a:t>tener diferentes tablas se vuelve </a:t>
+            </a:r>
+            <a:br>
+              <a:rPr lang="es-MX" sz="1600" dirty="0">
+                <a:solidFill>
+                  <a:schemeClr val="tx1">
+                    <a:lumMod val="65000"/>
+                    <a:lumOff val="35000"/>
+                  </a:schemeClr>
+                </a:solidFill>
+                <a:latin typeface="Times New Roman" panose="02020603050405020304" pitchFamily="18" charset="0"/>
+                <a:ea typeface="Verdana" panose="020B0604030504040204" pitchFamily="34" charset="0"/>
+                <a:cs typeface="Times New Roman" panose="02020603050405020304" pitchFamily="18" charset="0"/>
+              </a:rPr>
+            </a:br>
+            <a:r>
+              <a:rPr lang="es-MX" sz="1600" dirty="0">
+                <a:solidFill>
+                  <a:schemeClr val="tx1">
+                    <a:lumMod val="65000"/>
+                    <a:lumOff val="35000"/>
+                  </a:schemeClr>
+                </a:solidFill>
+                <a:latin typeface="Times New Roman" panose="02020603050405020304" pitchFamily="18" charset="0"/>
+                <a:ea typeface="Verdana" panose="020B0604030504040204" pitchFamily="34" charset="0"/>
+                <a:cs typeface="Times New Roman" panose="02020603050405020304" pitchFamily="18" charset="0"/>
+              </a:rPr>
+              <a:t>complicado el hacer el lookup entre</a:t>
+            </a:r>
+            <a:br>
+              <a:rPr lang="es-MX" sz="1600" dirty="0">
+                <a:solidFill>
+                  <a:schemeClr val="tx1">
+                    <a:lumMod val="65000"/>
+                    <a:lumOff val="35000"/>
+                  </a:schemeClr>
+                </a:solidFill>
+                <a:latin typeface="Times New Roman" panose="02020603050405020304" pitchFamily="18" charset="0"/>
+                <a:ea typeface="Verdana" panose="020B0604030504040204" pitchFamily="34" charset="0"/>
+                <a:cs typeface="Times New Roman" panose="02020603050405020304" pitchFamily="18" charset="0"/>
+              </a:rPr>
+            </a:br>
+            <a:r>
+              <a:rPr lang="es-MX" sz="1600" dirty="0">
+                <a:solidFill>
+                  <a:schemeClr val="tx1">
+                    <a:lumMod val="65000"/>
+                    <a:lumOff val="35000"/>
+                  </a:schemeClr>
+                </a:solidFill>
+                <a:latin typeface="Times New Roman" panose="02020603050405020304" pitchFamily="18" charset="0"/>
+                <a:ea typeface="Verdana" panose="020B0604030504040204" pitchFamily="34" charset="0"/>
+                <a:cs typeface="Times New Roman" panose="02020603050405020304" pitchFamily="18" charset="0"/>
+              </a:rPr>
+              <a:t>ellas, debido a que se generan</a:t>
+            </a:r>
+            <a:br>
+              <a:rPr lang="es-MX" sz="1600" dirty="0">
+                <a:solidFill>
+                  <a:schemeClr val="tx1">
+                    <a:lumMod val="65000"/>
+                    <a:lumOff val="35000"/>
+                  </a:schemeClr>
+                </a:solidFill>
+                <a:latin typeface="Times New Roman" panose="02020603050405020304" pitchFamily="18" charset="0"/>
+                <a:ea typeface="Verdana" panose="020B0604030504040204" pitchFamily="34" charset="0"/>
+                <a:cs typeface="Times New Roman" panose="02020603050405020304" pitchFamily="18" charset="0"/>
+              </a:rPr>
+            </a:br>
+            <a:r>
+              <a:rPr lang="es-MX" sz="1600" dirty="0">
+                <a:solidFill>
+                  <a:schemeClr val="tx1">
+                    <a:lumMod val="65000"/>
+                    <a:lumOff val="35000"/>
+                  </a:schemeClr>
+                </a:solidFill>
+                <a:latin typeface="Times New Roman" panose="02020603050405020304" pitchFamily="18" charset="0"/>
+                <a:ea typeface="Verdana" panose="020B0604030504040204" pitchFamily="34" charset="0"/>
+                <a:cs typeface="Times New Roman" panose="02020603050405020304" pitchFamily="18" charset="0"/>
+              </a:rPr>
+              <a:t>objetos con arreglos de datos, </a:t>
+            </a:r>
+            <a:br>
+              <a:rPr lang="es-MX" sz="1600" dirty="0">
+                <a:solidFill>
+                  <a:schemeClr val="tx1">
+                    <a:lumMod val="65000"/>
+                    <a:lumOff val="35000"/>
+                  </a:schemeClr>
+                </a:solidFill>
+                <a:latin typeface="Times New Roman" panose="02020603050405020304" pitchFamily="18" charset="0"/>
+                <a:ea typeface="Verdana" panose="020B0604030504040204" pitchFamily="34" charset="0"/>
+                <a:cs typeface="Times New Roman" panose="02020603050405020304" pitchFamily="18" charset="0"/>
+              </a:rPr>
+            </a:br>
+            <a:r>
+              <a:rPr lang="es-MX" sz="1600" dirty="0">
+                <a:solidFill>
+                  <a:schemeClr val="tx1">
+                    <a:lumMod val="65000"/>
+                    <a:lumOff val="35000"/>
+                  </a:schemeClr>
+                </a:solidFill>
+                <a:latin typeface="Times New Roman" panose="02020603050405020304" pitchFamily="18" charset="0"/>
+                <a:ea typeface="Verdana" panose="020B0604030504040204" pitchFamily="34" charset="0"/>
+                <a:cs typeface="Times New Roman" panose="02020603050405020304" pitchFamily="18" charset="0"/>
+              </a:rPr>
+              <a:t>por lo que se tienen que hacer </a:t>
+            </a:r>
+            <a:br>
+              <a:rPr lang="es-MX" sz="1600" dirty="0">
+                <a:solidFill>
+                  <a:schemeClr val="tx1">
+                    <a:lumMod val="65000"/>
+                    <a:lumOff val="35000"/>
+                  </a:schemeClr>
+                </a:solidFill>
+                <a:latin typeface="Times New Roman" panose="02020603050405020304" pitchFamily="18" charset="0"/>
+                <a:ea typeface="Verdana" panose="020B0604030504040204" pitchFamily="34" charset="0"/>
+                <a:cs typeface="Times New Roman" panose="02020603050405020304" pitchFamily="18" charset="0"/>
+              </a:rPr>
+            </a:br>
+            <a:r>
+              <a:rPr lang="es-MX" sz="1600" dirty="0">
+                <a:solidFill>
+                  <a:schemeClr val="tx1">
+                    <a:lumMod val="65000"/>
+                    <a:lumOff val="35000"/>
+                  </a:schemeClr>
+                </a:solidFill>
+                <a:latin typeface="Times New Roman" panose="02020603050405020304" pitchFamily="18" charset="0"/>
+                <a:ea typeface="Verdana" panose="020B0604030504040204" pitchFamily="34" charset="0"/>
+                <a:cs typeface="Times New Roman" panose="02020603050405020304" pitchFamily="18" charset="0"/>
+              </a:rPr>
+              <a:t>más procesos para convertir </a:t>
+            </a:r>
+            <a:br>
+              <a:rPr lang="es-MX" sz="1600" dirty="0">
+                <a:solidFill>
+                  <a:schemeClr val="tx1">
+                    <a:lumMod val="65000"/>
+                    <a:lumOff val="35000"/>
+                  </a:schemeClr>
+                </a:solidFill>
+                <a:latin typeface="Times New Roman" panose="02020603050405020304" pitchFamily="18" charset="0"/>
+                <a:ea typeface="Verdana" panose="020B0604030504040204" pitchFamily="34" charset="0"/>
+                <a:cs typeface="Times New Roman" panose="02020603050405020304" pitchFamily="18" charset="0"/>
+              </a:rPr>
+            </a:br>
+            <a:r>
+              <a:rPr lang="es-MX" sz="1600" dirty="0">
+                <a:solidFill>
+                  <a:schemeClr val="tx1">
+                    <a:lumMod val="65000"/>
+                    <a:lumOff val="35000"/>
+                  </a:schemeClr>
+                </a:solidFill>
+                <a:latin typeface="Times New Roman" panose="02020603050405020304" pitchFamily="18" charset="0"/>
+                <a:ea typeface="Verdana" panose="020B0604030504040204" pitchFamily="34" charset="0"/>
+                <a:cs typeface="Times New Roman" panose="02020603050405020304" pitchFamily="18" charset="0"/>
+              </a:rPr>
+              <a:t>estos en campos de la tabla </a:t>
+            </a:r>
+          </a:p>
+        </p:txBody>
+      </p:sp>
+      <p:sp>
+        <p:nvSpPr>
+          <p:cNvPr id="11" name="CuadroTexto 10">
+            <a:extLst>
+              <a:ext uri="{FF2B5EF4-FFF2-40B4-BE49-F238E27FC236}">
+                <a16:creationId xmlns:a16="http://schemas.microsoft.com/office/drawing/2014/main" id="{4113E28F-4F5A-7E44-866E-1D6AEAD5AA5F}"/>
+              </a:ext>
+            </a:extLst>
+          </p:cNvPr>
+          <p:cNvSpPr txBox="1"/>
+          <p:nvPr/>
+        </p:nvSpPr>
+        <p:spPr>
+          <a:xfrm>
+            <a:off x="8293501" y="2539911"/>
+            <a:ext cx="3419061" cy="1600438"/>
+          </a:xfrm>
+          <a:prstGeom prst="rect">
+            <a:avLst/>
+          </a:prstGeom>
+          <a:noFill/>
+        </p:spPr>
+        <p:txBody>
+          <a:bodyPr wrap="square" rtlCol="0" anchor="t">
+            <a:spAutoFit/>
+          </a:bodyPr>
+          <a:lstStyle/>
+          <a:p>
+            <a:pPr lvl="0" algn="ctr"/>
+            <a:r>
+              <a:rPr lang="es-MX" sz="1600" dirty="0">
+                <a:solidFill>
+                  <a:schemeClr val="tx1">
+                    <a:lumMod val="65000"/>
+                    <a:lumOff val="35000"/>
+                  </a:schemeClr>
+                </a:solidFill>
+                <a:latin typeface="Times New Roman" panose="02020603050405020304" pitchFamily="18" charset="0"/>
+                <a:ea typeface="Verdana" panose="020B0604030504040204" pitchFamily="34" charset="0"/>
+                <a:cs typeface="Times New Roman" panose="02020603050405020304" pitchFamily="18" charset="0"/>
+              </a:rPr>
               <a:t>Debido a que esta información de la banca, ya está estructurada para ser usada como una base de datos relacional, optaría por hacer todos los procesos en SQL</a:t>
             </a:r>
           </a:p>
           <a:p>
-            <a:pPr algn="just"/>
-            <a:endParaRPr lang="es-MX" b="1" dirty="0"/>
-          </a:p>
-        </p:txBody>
-      </p:sp>
+            <a:pPr algn="ctr"/>
+            <a:endParaRPr lang="es-MX" sz="1600" b="1" dirty="0"/>
+          </a:p>
+        </p:txBody>
+      </p:sp>
+      <p:pic>
+        <p:nvPicPr>
+          <p:cNvPr id="18" name="Imagen 17">
+            <a:extLst>
+              <a:ext uri="{FF2B5EF4-FFF2-40B4-BE49-F238E27FC236}">
+                <a16:creationId xmlns:a16="http://schemas.microsoft.com/office/drawing/2014/main" id="{3E76408D-7CF7-0D4D-832A-AAACF7496E64}"/>
+              </a:ext>
+            </a:extLst>
+          </p:cNvPr>
+          <p:cNvPicPr>
+            <a:picLocks noChangeAspect="1"/>
+          </p:cNvPicPr>
+          <p:nvPr/>
+        </p:nvPicPr>
+        <p:blipFill>
+          <a:blip r:embed="rId2">
+            <a:extLst>
+              <a:ext uri="{28A0092B-C50C-407E-A947-70E740481C1C}">
+                <a14:useLocalDpi xmlns:a14="http://schemas.microsoft.com/office/drawing/2010/main" val="0"/>
+              </a:ext>
+            </a:extLst>
+          </a:blip>
+          <a:stretch>
+            <a:fillRect/>
+          </a:stretch>
+        </p:blipFill>
+        <p:spPr>
+          <a:xfrm>
+            <a:off x="5806473" y="1207896"/>
+            <a:ext cx="579051" cy="801764"/>
+          </a:xfrm>
+          <a:prstGeom prst="roundRect">
+            <a:avLst>
+              <a:gd name="adj" fmla="val 8594"/>
+            </a:avLst>
+          </a:prstGeom>
+          <a:solidFill>
+            <a:srgbClr val="FFFFFF">
+              <a:shade val="85000"/>
+            </a:srgbClr>
+          </a:solidFill>
+          <a:ln>
+            <a:noFill/>
+          </a:ln>
+          <a:effectLst>
+            <a:reflection blurRad="12700" stA="38000" endPos="28000" dist="5000" dir="5400000" sy="-100000" algn="bl" rotWithShape="0"/>
+          </a:effectLst>
+        </p:spPr>
+      </p:pic>
+      <p:pic>
+        <p:nvPicPr>
+          <p:cNvPr id="16" name="Imagen 15">
+            <a:extLst>
+              <a:ext uri="{FF2B5EF4-FFF2-40B4-BE49-F238E27FC236}">
+                <a16:creationId xmlns:a16="http://schemas.microsoft.com/office/drawing/2014/main" id="{A48C5312-0A91-E14D-AADA-A8BF276F6E2E}"/>
+              </a:ext>
+            </a:extLst>
+          </p:cNvPr>
+          <p:cNvPicPr>
+            <a:picLocks noChangeAspect="1"/>
+          </p:cNvPicPr>
+          <p:nvPr/>
+        </p:nvPicPr>
+        <p:blipFill>
+          <a:blip r:embed="rId3">
+            <a:extLst>
+              <a:ext uri="{28A0092B-C50C-407E-A947-70E740481C1C}">
+                <a14:useLocalDpi xmlns:a14="http://schemas.microsoft.com/office/drawing/2010/main" val="0"/>
+              </a:ext>
+            </a:extLst>
+          </a:blip>
+          <a:stretch>
+            <a:fillRect/>
+          </a:stretch>
+        </p:blipFill>
+        <p:spPr>
+          <a:xfrm>
+            <a:off x="1908154" y="1229862"/>
+            <a:ext cx="395146" cy="781885"/>
+          </a:xfrm>
+          <a:prstGeom prst="roundRect">
+            <a:avLst>
+              <a:gd name="adj" fmla="val 8594"/>
+            </a:avLst>
+          </a:prstGeom>
+          <a:solidFill>
+            <a:srgbClr val="FFFFFF">
+              <a:shade val="85000"/>
+            </a:srgbClr>
+          </a:solidFill>
+          <a:ln>
+            <a:noFill/>
+          </a:ln>
+          <a:effectLst>
+            <a:reflection blurRad="12700" stA="38000" endPos="28000" dist="5000" dir="5400000" sy="-100000" algn="bl" rotWithShape="0"/>
+          </a:effectLst>
+        </p:spPr>
+      </p:pic>
+      <p:pic>
+        <p:nvPicPr>
+          <p:cNvPr id="20" name="Imagen 19">
+            <a:extLst>
+              <a:ext uri="{FF2B5EF4-FFF2-40B4-BE49-F238E27FC236}">
+                <a16:creationId xmlns:a16="http://schemas.microsoft.com/office/drawing/2014/main" id="{32091BD4-9CA5-1E46-A35A-AAF06F046FB2}"/>
+              </a:ext>
+            </a:extLst>
+          </p:cNvPr>
+          <p:cNvPicPr>
+            <a:picLocks noChangeAspect="1"/>
+          </p:cNvPicPr>
+          <p:nvPr/>
+        </p:nvPicPr>
+        <p:blipFill>
+          <a:blip r:embed="rId4">
+            <a:extLst>
+              <a:ext uri="{28A0092B-C50C-407E-A947-70E740481C1C}">
+                <a14:useLocalDpi xmlns:a14="http://schemas.microsoft.com/office/drawing/2010/main" val="0"/>
+              </a:ext>
+            </a:extLst>
+          </a:blip>
+          <a:stretch>
+            <a:fillRect/>
+          </a:stretch>
+        </p:blipFill>
+        <p:spPr>
+          <a:xfrm>
+            <a:off x="9722573" y="1229862"/>
+            <a:ext cx="560917" cy="781885"/>
+          </a:xfrm>
+          <a:prstGeom prst="roundRect">
+            <a:avLst>
+              <a:gd name="adj" fmla="val 8594"/>
+            </a:avLst>
+          </a:prstGeom>
+          <a:solidFill>
+            <a:srgbClr val="FFFFFF">
+              <a:shade val="85000"/>
+            </a:srgbClr>
+          </a:solidFill>
+          <a:ln>
+            <a:noFill/>
+          </a:ln>
+          <a:effectLst>
+            <a:reflection blurRad="12700" stA="38000" endPos="28000" dist="5000" dir="5400000" sy="-100000" algn="bl" rotWithShape="0"/>
+          </a:effectLst>
+        </p:spPr>
+      </p:pic>
+      <p:cxnSp>
+        <p:nvCxnSpPr>
+          <p:cNvPr id="25" name="Conector recto 24">
+            <a:extLst>
+              <a:ext uri="{FF2B5EF4-FFF2-40B4-BE49-F238E27FC236}">
+                <a16:creationId xmlns:a16="http://schemas.microsoft.com/office/drawing/2014/main" id="{8412B21F-B0EF-424A-80CE-6AF4C76C9509}"/>
+              </a:ext>
+            </a:extLst>
+          </p:cNvPr>
+          <p:cNvCxnSpPr>
+            <a:cxnSpLocks/>
+          </p:cNvCxnSpPr>
+          <p:nvPr/>
+        </p:nvCxnSpPr>
+        <p:spPr>
+          <a:xfrm>
+            <a:off x="1246957" y="2308738"/>
+            <a:ext cx="1958558" cy="0"/>
+          </a:xfrm>
+          <a:prstGeom prst="line">
+            <a:avLst/>
+          </a:prstGeom>
+        </p:spPr>
+        <p:style>
+          <a:lnRef idx="1">
+            <a:schemeClr val="accent1"/>
+          </a:lnRef>
+          <a:fillRef idx="0">
+            <a:schemeClr val="accent1"/>
+          </a:fillRef>
+          <a:effectRef idx="0">
+            <a:schemeClr val="accent1"/>
+          </a:effectRef>
+          <a:fontRef idx="minor">
+            <a:schemeClr val="tx1"/>
+          </a:fontRef>
+        </p:style>
+      </p:cxnSp>
+      <p:cxnSp>
+        <p:nvCxnSpPr>
+          <p:cNvPr id="27" name="Conector recto 26">
+            <a:extLst>
+              <a:ext uri="{FF2B5EF4-FFF2-40B4-BE49-F238E27FC236}">
+                <a16:creationId xmlns:a16="http://schemas.microsoft.com/office/drawing/2014/main" id="{A5137F0E-637D-D544-A95E-F3C3F2A615F4}"/>
+              </a:ext>
+            </a:extLst>
+          </p:cNvPr>
+          <p:cNvCxnSpPr>
+            <a:cxnSpLocks/>
+          </p:cNvCxnSpPr>
+          <p:nvPr/>
+        </p:nvCxnSpPr>
+        <p:spPr>
+          <a:xfrm>
+            <a:off x="5063583" y="2308738"/>
+            <a:ext cx="1958558" cy="0"/>
+          </a:xfrm>
+          <a:prstGeom prst="line">
+            <a:avLst/>
+          </a:prstGeom>
+        </p:spPr>
+        <p:style>
+          <a:lnRef idx="1">
+            <a:schemeClr val="accent1"/>
+          </a:lnRef>
+          <a:fillRef idx="0">
+            <a:schemeClr val="accent1"/>
+          </a:fillRef>
+          <a:effectRef idx="0">
+            <a:schemeClr val="accent1"/>
+          </a:effectRef>
+          <a:fontRef idx="minor">
+            <a:schemeClr val="tx1"/>
+          </a:fontRef>
+        </p:style>
+      </p:cxnSp>
+      <p:cxnSp>
+        <p:nvCxnSpPr>
+          <p:cNvPr id="28" name="Conector recto 27">
+            <a:extLst>
+              <a:ext uri="{FF2B5EF4-FFF2-40B4-BE49-F238E27FC236}">
+                <a16:creationId xmlns:a16="http://schemas.microsoft.com/office/drawing/2014/main" id="{78895859-A2FE-4747-87BD-A66E1EFA8FDE}"/>
+              </a:ext>
+            </a:extLst>
+          </p:cNvPr>
+          <p:cNvCxnSpPr>
+            <a:cxnSpLocks/>
+          </p:cNvCxnSpPr>
+          <p:nvPr/>
+        </p:nvCxnSpPr>
+        <p:spPr>
+          <a:xfrm>
+            <a:off x="8986227" y="2308738"/>
+            <a:ext cx="1958558" cy="0"/>
+          </a:xfrm>
+          <a:prstGeom prst="line">
+            <a:avLst/>
+          </a:prstGeom>
+        </p:spPr>
+        <p:style>
+          <a:lnRef idx="1">
+            <a:schemeClr val="accent1"/>
+          </a:lnRef>
+          <a:fillRef idx="0">
+            <a:schemeClr val="accent1"/>
+          </a:fillRef>
+          <a:effectRef idx="0">
+            <a:schemeClr val="accent1"/>
+          </a:effectRef>
+          <a:fontRef idx="minor">
+            <a:schemeClr val="tx1"/>
+          </a:fontRef>
+        </p:style>
+      </p:cxnSp>
     </p:spTree>
     <p:extLst>
       <p:ext uri="{BB962C8B-B14F-4D97-AF65-F5344CB8AC3E}">
